--- a/CPSC-24700/Presentations/session-40.pptx
+++ b/CPSC-24700/Presentations/session-40.pptx
@@ -5,17 +5,20 @@
     <p:sldMasterId id="2147483648" r:id="rId1"/>
   </p:sldMasterIdLst>
   <p:notesMasterIdLst>
-    <p:notesMasterId r:id="rId10"/>
+    <p:notesMasterId r:id="rId13"/>
   </p:notesMasterIdLst>
   <p:sldIdLst>
     <p:sldId id="303" r:id="rId2"/>
     <p:sldId id="311" r:id="rId3"/>
     <p:sldId id="305" r:id="rId4"/>
     <p:sldId id="308" r:id="rId5"/>
-    <p:sldId id="315" r:id="rId6"/>
-    <p:sldId id="314" r:id="rId7"/>
-    <p:sldId id="310" r:id="rId8"/>
-    <p:sldId id="263" r:id="rId9"/>
+    <p:sldId id="318" r:id="rId6"/>
+    <p:sldId id="316" r:id="rId7"/>
+    <p:sldId id="317" r:id="rId8"/>
+    <p:sldId id="315" r:id="rId9"/>
+    <p:sldId id="314" r:id="rId10"/>
+    <p:sldId id="310" r:id="rId11"/>
+    <p:sldId id="263" r:id="rId12"/>
   </p:sldIdLst>
   <p:sldSz cx="12192000" cy="6858000"/>
   <p:notesSz cx="7315200" cy="9601200"/>
@@ -122,6 +125,10 @@
 </p:presentation>
 </file>
 
+<file path=ppt/revisionInfo.xml><?xml version="1.0" encoding="utf-8"?>
+<p1510:revInfo xmlns:a="http://schemas.openxmlformats.org/drawingml/2006/main" xmlns:r="http://schemas.openxmlformats.org/officeDocument/2006/relationships" xmlns:p1510="http://schemas.microsoft.com/office/powerpoint/2015/10/main"/>
+</file>
+
 <file path=ppt/notesMasters/notesMaster1.xml><?xml version="1.0" encoding="utf-8"?>
 <p:notesMaster xmlns:a="http://schemas.openxmlformats.org/drawingml/2006/main" xmlns:r="http://schemas.openxmlformats.org/officeDocument/2006/relationships" xmlns:p="http://schemas.openxmlformats.org/presentationml/2006/main">
   <p:cSld>
@@ -204,7 +211,7 @@
           <a:p>
             <a:fld id="{1CF91C02-A59E-4778-8D4F-4840DBBEFA68}" type="datetimeFigureOut">
               <a:rPr lang="en-US" smtClean="0"/>
-              <a:t>12/5/2017</a:t>
+              <a:t>12/6/2017</a:t>
             </a:fld>
             <a:endParaRPr lang="en-US"/>
           </a:p>
@@ -555,6 +562,90 @@
 </p:notes>
 </file>
 
+<file path=ppt/notesSlides/notesSlide10.xml><?xml version="1.0" encoding="utf-8"?>
+<p:notes xmlns:a="http://schemas.openxmlformats.org/drawingml/2006/main" xmlns:r="http://schemas.openxmlformats.org/officeDocument/2006/relationships" xmlns:p="http://schemas.openxmlformats.org/presentationml/2006/main">
+  <p:cSld>
+    <p:spTree>
+      <p:nvGrpSpPr>
+        <p:cNvPr id="1" name=""/>
+        <p:cNvGrpSpPr/>
+        <p:nvPr/>
+      </p:nvGrpSpPr>
+      <p:grpSpPr>
+        <a:xfrm>
+          <a:off x="0" y="0"/>
+          <a:ext cx="0" cy="0"/>
+          <a:chOff x="0" y="0"/>
+          <a:chExt cx="0" cy="0"/>
+        </a:xfrm>
+      </p:grpSpPr>
+      <p:sp>
+        <p:nvSpPr>
+          <p:cNvPr id="2" name="Slide Image Placeholder 1"/>
+          <p:cNvSpPr>
+            <a:spLocks noGrp="1" noRot="1" noChangeAspect="1"/>
+          </p:cNvSpPr>
+          <p:nvPr>
+            <p:ph type="sldImg"/>
+          </p:nvPr>
+        </p:nvSpPr>
+        <p:spPr/>
+      </p:sp>
+      <p:sp>
+        <p:nvSpPr>
+          <p:cNvPr id="3" name="Notes Placeholder 2"/>
+          <p:cNvSpPr>
+            <a:spLocks noGrp="1"/>
+          </p:cNvSpPr>
+          <p:nvPr>
+            <p:ph type="body" idx="1"/>
+          </p:nvPr>
+        </p:nvSpPr>
+        <p:spPr/>
+        <p:txBody>
+          <a:bodyPr/>
+          <a:lstStyle/>
+          <a:p>
+            <a:endParaRPr lang="en-US" dirty="0"/>
+          </a:p>
+        </p:txBody>
+      </p:sp>
+      <p:sp>
+        <p:nvSpPr>
+          <p:cNvPr id="4" name="Slide Number Placeholder 3"/>
+          <p:cNvSpPr>
+            <a:spLocks noGrp="1"/>
+          </p:cNvSpPr>
+          <p:nvPr>
+            <p:ph type="sldNum" sz="quarter" idx="10"/>
+          </p:nvPr>
+        </p:nvSpPr>
+        <p:spPr/>
+        <p:txBody>
+          <a:bodyPr/>
+          <a:lstStyle/>
+          <a:p>
+            <a:fld id="{5394DE12-7B9B-46AA-AC19-C30A49928B9B}" type="slidenum">
+              <a:rPr lang="en-US" smtClean="0"/>
+              <a:t>11</a:t>
+            </a:fld>
+            <a:endParaRPr lang="en-US" dirty="0"/>
+          </a:p>
+        </p:txBody>
+      </p:sp>
+    </p:spTree>
+    <p:extLst>
+      <p:ext uri="{BB962C8B-B14F-4D97-AF65-F5344CB8AC3E}">
+        <p14:creationId xmlns:p14="http://schemas.microsoft.com/office/powerpoint/2010/main" val="3850776935"/>
+      </p:ext>
+    </p:extLst>
+  </p:cSld>
+  <p:clrMapOvr>
+    <a:masterClrMapping/>
+  </p:clrMapOvr>
+</p:notes>
+</file>
+
 <file path=ppt/notesSlides/notesSlide2.xml><?xml version="1.0" encoding="utf-8"?>
 <p:notes xmlns:a="http://schemas.openxmlformats.org/drawingml/2006/main" xmlns:r="http://schemas.openxmlformats.org/officeDocument/2006/relationships" xmlns:p="http://schemas.openxmlformats.org/presentationml/2006/main">
   <p:cSld>
@@ -854,7 +945,7 @@
           <a:bodyPr/>
           <a:lstStyle/>
           <a:p>
-            <a:endParaRPr lang="en-US" sz="1000" dirty="0"/>
+            <a:endParaRPr lang="en-US" dirty="0"/>
           </a:p>
         </p:txBody>
       </p:sp>
@@ -873,18 +964,18 @@
           <a:bodyPr/>
           <a:lstStyle/>
           <a:p>
-            <a:fld id="{23B99BB9-C7F6-43B3-A122-46088ABB36FB}" type="slidenum">
+            <a:fld id="{5394DE12-7B9B-46AA-AC19-C30A49928B9B}" type="slidenum">
               <a:rPr lang="en-US" smtClean="0"/>
               <a:t>5</a:t>
             </a:fld>
-            <a:endParaRPr lang="en-US"/>
+            <a:endParaRPr lang="en-US" dirty="0"/>
           </a:p>
         </p:txBody>
       </p:sp>
     </p:spTree>
     <p:extLst>
       <p:ext uri="{BB962C8B-B14F-4D97-AF65-F5344CB8AC3E}">
-        <p14:creationId xmlns:p14="http://schemas.microsoft.com/office/powerpoint/2010/main" val="1424960423"/>
+        <p14:creationId xmlns:p14="http://schemas.microsoft.com/office/powerpoint/2010/main" val="3218932056"/>
       </p:ext>
     </p:extLst>
   </p:cSld>
@@ -938,40 +1029,10 @@
           <a:bodyPr/>
           <a:lstStyle/>
           <a:p>
-            <a:endParaRPr lang="en-US" sz="1000" dirty="0"/>
-          </a:p>
-          <a:p>
-            <a:r>
-              <a:rPr lang="en-US" sz="1000" dirty="0"/>
-              <a:t>URL to sample implementation:</a:t>
-            </a:r>
-          </a:p>
-          <a:p>
-            <a:r>
-              <a:rPr lang="en-US" sz="1200" b="0" i="0" kern="1200" dirty="0">
-                <a:solidFill>
-                  <a:schemeClr val="tx1"/>
-                </a:solidFill>
-                <a:effectLst/>
-                <a:latin typeface="+mn-lt"/>
-                <a:ea typeface="+mn-ea"/>
-                <a:cs typeface="+mn-cs"/>
-                <a:hlinkClick r:id="rId3"/>
-              </a:rPr>
-              <a:t>http://myejp-meanjs.azurewebsites.net/</a:t>
-            </a:r>
-            <a:endParaRPr lang="en-US" sz="1200" b="0" i="0" kern="1200" dirty="0">
-              <a:solidFill>
-                <a:schemeClr val="tx1"/>
-              </a:solidFill>
-              <a:effectLst/>
-              <a:latin typeface="+mn-lt"/>
-              <a:ea typeface="+mn-ea"/>
-              <a:cs typeface="+mn-cs"/>
-            </a:endParaRPr>
-          </a:p>
-          <a:p>
-            <a:endParaRPr lang="en-US" sz="1000" dirty="0"/>
+            <a:r>
+              <a:rPr lang="en-US" dirty="0"/>
+              <a:t>This is the developer/technology view… when talking with product managers or business people reverse the order and put the User at the top or left!</a:t>
+            </a:r>
           </a:p>
         </p:txBody>
       </p:sp>
@@ -1001,7 +1062,7 @@
     </p:spTree>
     <p:extLst>
       <p:ext uri="{BB962C8B-B14F-4D97-AF65-F5344CB8AC3E}">
-        <p14:creationId xmlns:p14="http://schemas.microsoft.com/office/powerpoint/2010/main" val="606388175"/>
+        <p14:creationId xmlns:p14="http://schemas.microsoft.com/office/powerpoint/2010/main" val="2241216136"/>
       </p:ext>
     </p:extLst>
   </p:cSld>
@@ -1055,7 +1116,7 @@
           <a:bodyPr/>
           <a:lstStyle/>
           <a:p>
-            <a:endParaRPr lang="en-US" dirty="0"/>
+            <a:endParaRPr lang="en-US" sz="1000" dirty="0"/>
           </a:p>
         </p:txBody>
       </p:sp>
@@ -1074,18 +1135,18 @@
           <a:bodyPr/>
           <a:lstStyle/>
           <a:p>
-            <a:fld id="{5394DE12-7B9B-46AA-AC19-C30A49928B9B}" type="slidenum">
+            <a:fld id="{23B99BB9-C7F6-43B3-A122-46088ABB36FB}" type="slidenum">
               <a:rPr lang="en-US" smtClean="0"/>
-              <a:t>7</a:t>
+              <a:t>8</a:t>
             </a:fld>
-            <a:endParaRPr lang="en-US" dirty="0"/>
+            <a:endParaRPr lang="en-US"/>
           </a:p>
         </p:txBody>
       </p:sp>
     </p:spTree>
     <p:extLst>
       <p:ext uri="{BB962C8B-B14F-4D97-AF65-F5344CB8AC3E}">
-        <p14:creationId xmlns:p14="http://schemas.microsoft.com/office/powerpoint/2010/main" val="1997365436"/>
+        <p14:creationId xmlns:p14="http://schemas.microsoft.com/office/powerpoint/2010/main" val="1424960423"/>
       </p:ext>
     </p:extLst>
   </p:cSld>
@@ -1139,7 +1200,40 @@
           <a:bodyPr/>
           <a:lstStyle/>
           <a:p>
-            <a:endParaRPr lang="en-US" dirty="0"/>
+            <a:endParaRPr lang="en-US" sz="1000" dirty="0"/>
+          </a:p>
+          <a:p>
+            <a:r>
+              <a:rPr lang="en-US" sz="1000" dirty="0"/>
+              <a:t>URL to sample implementation:</a:t>
+            </a:r>
+          </a:p>
+          <a:p>
+            <a:r>
+              <a:rPr lang="en-US" sz="1200" b="0" i="0" kern="1200" dirty="0">
+                <a:solidFill>
+                  <a:schemeClr val="tx1"/>
+                </a:solidFill>
+                <a:effectLst/>
+                <a:latin typeface="+mn-lt"/>
+                <a:ea typeface="+mn-ea"/>
+                <a:cs typeface="+mn-cs"/>
+                <a:hlinkClick r:id="rId3"/>
+              </a:rPr>
+              <a:t>http://myejp-meanjs.azurewebsites.net/</a:t>
+            </a:r>
+            <a:endParaRPr lang="en-US" sz="1200" b="0" i="0" kern="1200" dirty="0">
+              <a:solidFill>
+                <a:schemeClr val="tx1"/>
+              </a:solidFill>
+              <a:effectLst/>
+              <a:latin typeface="+mn-lt"/>
+              <a:ea typeface="+mn-ea"/>
+              <a:cs typeface="+mn-cs"/>
+            </a:endParaRPr>
+          </a:p>
+          <a:p>
+            <a:endParaRPr lang="en-US" sz="1000" dirty="0"/>
           </a:p>
         </p:txBody>
       </p:sp>
@@ -1158,18 +1252,102 @@
           <a:bodyPr/>
           <a:lstStyle/>
           <a:p>
-            <a:fld id="{5394DE12-7B9B-46AA-AC19-C30A49928B9B}" type="slidenum">
+            <a:fld id="{23B99BB9-C7F6-43B3-A122-46088ABB36FB}" type="slidenum">
               <a:rPr lang="en-US" smtClean="0"/>
-              <a:t>8</a:t>
+              <a:t>9</a:t>
             </a:fld>
-            <a:endParaRPr lang="en-US" dirty="0"/>
+            <a:endParaRPr lang="en-US"/>
           </a:p>
         </p:txBody>
       </p:sp>
     </p:spTree>
     <p:extLst>
       <p:ext uri="{BB962C8B-B14F-4D97-AF65-F5344CB8AC3E}">
-        <p14:creationId xmlns:p14="http://schemas.microsoft.com/office/powerpoint/2010/main" val="3850776935"/>
+        <p14:creationId xmlns:p14="http://schemas.microsoft.com/office/powerpoint/2010/main" val="606388175"/>
+      </p:ext>
+    </p:extLst>
+  </p:cSld>
+  <p:clrMapOvr>
+    <a:masterClrMapping/>
+  </p:clrMapOvr>
+</p:notes>
+</file>
+
+<file path=ppt/notesSlides/notesSlide9.xml><?xml version="1.0" encoding="utf-8"?>
+<p:notes xmlns:a="http://schemas.openxmlformats.org/drawingml/2006/main" xmlns:r="http://schemas.openxmlformats.org/officeDocument/2006/relationships" xmlns:p="http://schemas.openxmlformats.org/presentationml/2006/main">
+  <p:cSld>
+    <p:spTree>
+      <p:nvGrpSpPr>
+        <p:cNvPr id="1" name=""/>
+        <p:cNvGrpSpPr/>
+        <p:nvPr/>
+      </p:nvGrpSpPr>
+      <p:grpSpPr>
+        <a:xfrm>
+          <a:off x="0" y="0"/>
+          <a:ext cx="0" cy="0"/>
+          <a:chOff x="0" y="0"/>
+          <a:chExt cx="0" cy="0"/>
+        </a:xfrm>
+      </p:grpSpPr>
+      <p:sp>
+        <p:nvSpPr>
+          <p:cNvPr id="2" name="Slide Image Placeholder 1"/>
+          <p:cNvSpPr>
+            <a:spLocks noGrp="1" noRot="1" noChangeAspect="1"/>
+          </p:cNvSpPr>
+          <p:nvPr>
+            <p:ph type="sldImg"/>
+          </p:nvPr>
+        </p:nvSpPr>
+        <p:spPr/>
+      </p:sp>
+      <p:sp>
+        <p:nvSpPr>
+          <p:cNvPr id="3" name="Notes Placeholder 2"/>
+          <p:cNvSpPr>
+            <a:spLocks noGrp="1"/>
+          </p:cNvSpPr>
+          <p:nvPr>
+            <p:ph type="body" idx="1"/>
+          </p:nvPr>
+        </p:nvSpPr>
+        <p:spPr/>
+        <p:txBody>
+          <a:bodyPr/>
+          <a:lstStyle/>
+          <a:p>
+            <a:endParaRPr lang="en-US" dirty="0"/>
+          </a:p>
+        </p:txBody>
+      </p:sp>
+      <p:sp>
+        <p:nvSpPr>
+          <p:cNvPr id="4" name="Slide Number Placeholder 3"/>
+          <p:cNvSpPr>
+            <a:spLocks noGrp="1"/>
+          </p:cNvSpPr>
+          <p:nvPr>
+            <p:ph type="sldNum" sz="quarter" idx="10"/>
+          </p:nvPr>
+        </p:nvSpPr>
+        <p:spPr/>
+        <p:txBody>
+          <a:bodyPr/>
+          <a:lstStyle/>
+          <a:p>
+            <a:fld id="{5394DE12-7B9B-46AA-AC19-C30A49928B9B}" type="slidenum">
+              <a:rPr lang="en-US" smtClean="0"/>
+              <a:t>10</a:t>
+            </a:fld>
+            <a:endParaRPr lang="en-US" dirty="0"/>
+          </a:p>
+        </p:txBody>
+      </p:sp>
+    </p:spTree>
+    <p:extLst>
+      <p:ext uri="{BB962C8B-B14F-4D97-AF65-F5344CB8AC3E}">
+        <p14:creationId xmlns:p14="http://schemas.microsoft.com/office/powerpoint/2010/main" val="1997365436"/>
       </p:ext>
     </p:extLst>
   </p:cSld>
@@ -1326,7 +1504,7 @@
           <a:p>
             <a:fld id="{5FB62F81-FD80-4AA8-93CA-E835B40BE667}" type="datetimeFigureOut">
               <a:rPr lang="en-US" smtClean="0"/>
-              <a:t>12/5/2017</a:t>
+              <a:t>12/6/2017</a:t>
             </a:fld>
             <a:endParaRPr lang="en-US"/>
           </a:p>
@@ -1524,7 +1702,7 @@
           <a:p>
             <a:fld id="{5FB62F81-FD80-4AA8-93CA-E835B40BE667}" type="datetimeFigureOut">
               <a:rPr lang="en-US" smtClean="0"/>
-              <a:t>12/5/2017</a:t>
+              <a:t>12/6/2017</a:t>
             </a:fld>
             <a:endParaRPr lang="en-US"/>
           </a:p>
@@ -1732,7 +1910,7 @@
           <a:p>
             <a:fld id="{5FB62F81-FD80-4AA8-93CA-E835B40BE667}" type="datetimeFigureOut">
               <a:rPr lang="en-US" smtClean="0"/>
-              <a:t>12/5/2017</a:t>
+              <a:t>12/6/2017</a:t>
             </a:fld>
             <a:endParaRPr lang="en-US"/>
           </a:p>
@@ -1930,7 +2108,7 @@
           <a:p>
             <a:fld id="{5FB62F81-FD80-4AA8-93CA-E835B40BE667}" type="datetimeFigureOut">
               <a:rPr lang="en-US" smtClean="0"/>
-              <a:t>12/5/2017</a:t>
+              <a:t>12/6/2017</a:t>
             </a:fld>
             <a:endParaRPr lang="en-US"/>
           </a:p>
@@ -2205,7 +2383,7 @@
           <a:p>
             <a:fld id="{5FB62F81-FD80-4AA8-93CA-E835B40BE667}" type="datetimeFigureOut">
               <a:rPr lang="en-US" smtClean="0"/>
-              <a:t>12/5/2017</a:t>
+              <a:t>12/6/2017</a:t>
             </a:fld>
             <a:endParaRPr lang="en-US"/>
           </a:p>
@@ -2470,7 +2648,7 @@
           <a:p>
             <a:fld id="{5FB62F81-FD80-4AA8-93CA-E835B40BE667}" type="datetimeFigureOut">
               <a:rPr lang="en-US" smtClean="0"/>
-              <a:t>12/5/2017</a:t>
+              <a:t>12/6/2017</a:t>
             </a:fld>
             <a:endParaRPr lang="en-US"/>
           </a:p>
@@ -2882,7 +3060,7 @@
           <a:p>
             <a:fld id="{5FB62F81-FD80-4AA8-93CA-E835B40BE667}" type="datetimeFigureOut">
               <a:rPr lang="en-US" smtClean="0"/>
-              <a:t>12/5/2017</a:t>
+              <a:t>12/6/2017</a:t>
             </a:fld>
             <a:endParaRPr lang="en-US"/>
           </a:p>
@@ -3023,7 +3201,7 @@
           <a:p>
             <a:fld id="{5FB62F81-FD80-4AA8-93CA-E835B40BE667}" type="datetimeFigureOut">
               <a:rPr lang="en-US" smtClean="0"/>
-              <a:t>12/5/2017</a:t>
+              <a:t>12/6/2017</a:t>
             </a:fld>
             <a:endParaRPr lang="en-US"/>
           </a:p>
@@ -3136,7 +3314,7 @@
           <a:p>
             <a:fld id="{5FB62F81-FD80-4AA8-93CA-E835B40BE667}" type="datetimeFigureOut">
               <a:rPr lang="en-US" smtClean="0"/>
-              <a:t>12/5/2017</a:t>
+              <a:t>12/6/2017</a:t>
             </a:fld>
             <a:endParaRPr lang="en-US"/>
           </a:p>
@@ -3447,7 +3625,7 @@
           <a:p>
             <a:fld id="{5FB62F81-FD80-4AA8-93CA-E835B40BE667}" type="datetimeFigureOut">
               <a:rPr lang="en-US" smtClean="0"/>
-              <a:t>12/5/2017</a:t>
+              <a:t>12/6/2017</a:t>
             </a:fld>
             <a:endParaRPr lang="en-US"/>
           </a:p>
@@ -3735,7 +3913,7 @@
           <a:p>
             <a:fld id="{5FB62F81-FD80-4AA8-93CA-E835B40BE667}" type="datetimeFigureOut">
               <a:rPr lang="en-US" smtClean="0"/>
-              <a:t>12/5/2017</a:t>
+              <a:t>12/6/2017</a:t>
             </a:fld>
             <a:endParaRPr lang="en-US"/>
           </a:p>
@@ -3976,7 +4154,7 @@
           <a:p>
             <a:fld id="{5FB62F81-FD80-4AA8-93CA-E835B40BE667}" type="datetimeFigureOut">
               <a:rPr lang="en-US" smtClean="0"/>
-              <a:t>12/5/2017</a:t>
+              <a:t>12/6/2017</a:t>
             </a:fld>
             <a:endParaRPr lang="en-US"/>
           </a:p>
@@ -4461,7 +4639,7 @@
         <p:spPr/>
         <p:txBody>
           <a:bodyPr>
-            <a:normAutofit lnSpcReduction="10000"/>
+            <a:normAutofit fontScale="92500" lnSpcReduction="10000"/>
           </a:bodyPr>
           <a:lstStyle/>
           <a:p>
@@ -4510,7 +4688,7 @@
             </a:pPr>
             <a:r>
               <a:rPr lang="en-US" sz="2000" dirty="0"/>
-              <a:t>Cloud Computing &amp; Map Reduce</a:t>
+              <a:t>Cloud Computing &amp; Map Reduce Questions</a:t>
             </a:r>
           </a:p>
           <a:p>
@@ -4520,15 +4698,7 @@
             </a:pPr>
             <a:r>
               <a:rPr lang="en-US" sz="2000" dirty="0"/>
-              <a:t>Friday Class Presentations… </a:t>
-            </a:r>
-            <a:r>
-              <a:rPr lang="en-US" sz="2000" dirty="0" err="1"/>
-              <a:t>Khaldoon</a:t>
-            </a:r>
-            <a:r>
-              <a:rPr lang="en-US" sz="2000" dirty="0"/>
-              <a:t>, Daniel (Bewley) / Jimmy, and Ryan? </a:t>
+              <a:t>Project 5 / Week 14 Lab Architecture Review</a:t>
             </a:r>
           </a:p>
           <a:p>
@@ -4538,7 +4708,7 @@
             </a:pPr>
             <a:r>
               <a:rPr lang="en-US" sz="2000" dirty="0"/>
-              <a:t>Signup for Friday private demo times before or after class</a:t>
+              <a:t>Today’s Assignment</a:t>
             </a:r>
           </a:p>
           <a:p>
@@ -4548,7 +4718,7 @@
             </a:pPr>
             <a:r>
               <a:rPr lang="en-US" sz="2000" dirty="0"/>
-              <a:t>Today’s Assignment</a:t>
+              <a:t>Project 5 Review and Lab Time</a:t>
             </a:r>
           </a:p>
           <a:p>
@@ -4558,7 +4728,25 @@
             </a:pPr>
             <a:r>
               <a:rPr lang="en-US" sz="2000" dirty="0"/>
-              <a:t>Project 5 Review and Lab Time</a:t>
+              <a:t>Friday Class Presentations… </a:t>
+            </a:r>
+            <a:r>
+              <a:rPr lang="en-US" sz="2000" dirty="0" err="1"/>
+              <a:t>Khaldoon</a:t>
+            </a:r>
+            <a:r>
+              <a:rPr lang="en-US" sz="2000" dirty="0"/>
+              <a:t>, Daniel (Bewley) / Jimmy, and Ryan? </a:t>
+            </a:r>
+          </a:p>
+          <a:p>
+            <a:pPr marL="457200" indent="-457200">
+              <a:buFont typeface="+mj-lt"/>
+              <a:buAutoNum type="arabicPeriod"/>
+            </a:pPr>
+            <a:r>
+              <a:rPr lang="en-US" sz="2000" dirty="0"/>
+              <a:t>Signup for Friday private demo times before or after class</a:t>
             </a:r>
           </a:p>
           <a:p>
@@ -4630,6 +4818,174 @@
     <p:extLst>
       <p:ext uri="{BB962C8B-B14F-4D97-AF65-F5344CB8AC3E}">
         <p14:creationId xmlns:p14="http://schemas.microsoft.com/office/powerpoint/2010/main" val="3265454097"/>
+      </p:ext>
+    </p:extLst>
+  </p:cSld>
+  <p:clrMapOvr>
+    <a:masterClrMapping/>
+  </p:clrMapOvr>
+</p:sld>
+</file>
+
+<file path=ppt/slides/slide10.xml><?xml version="1.0" encoding="utf-8"?>
+<p:sld xmlns:a="http://schemas.openxmlformats.org/drawingml/2006/main" xmlns:r="http://schemas.openxmlformats.org/officeDocument/2006/relationships" xmlns:p="http://schemas.openxmlformats.org/presentationml/2006/main">
+  <p:cSld>
+    <p:spTree>
+      <p:nvGrpSpPr>
+        <p:cNvPr id="1" name=""/>
+        <p:cNvGrpSpPr/>
+        <p:nvPr/>
+      </p:nvGrpSpPr>
+      <p:grpSpPr>
+        <a:xfrm>
+          <a:off x="0" y="0"/>
+          <a:ext cx="0" cy="0"/>
+          <a:chOff x="0" y="0"/>
+          <a:chExt cx="0" cy="0"/>
+        </a:xfrm>
+      </p:grpSpPr>
+      <p:sp>
+        <p:nvSpPr>
+          <p:cNvPr id="2" name="Title 1"/>
+          <p:cNvSpPr>
+            <a:spLocks noGrp="1"/>
+          </p:cNvSpPr>
+          <p:nvPr>
+            <p:ph type="ctrTitle"/>
+          </p:nvPr>
+        </p:nvSpPr>
+        <p:spPr>
+          <a:xfrm>
+            <a:off x="1524000" y="1122362"/>
+            <a:ext cx="9144000" cy="2807612"/>
+          </a:xfrm>
+        </p:spPr>
+        <p:txBody>
+          <a:bodyPr>
+            <a:noAutofit/>
+          </a:bodyPr>
+          <a:lstStyle/>
+          <a:p>
+            <a:br>
+              <a:rPr lang="en-US" sz="4000" dirty="0"/>
+            </a:br>
+            <a:r>
+              <a:rPr lang="en-US" sz="4000" dirty="0"/>
+              <a:t>Project 5 Lab</a:t>
+            </a:r>
+          </a:p>
+        </p:txBody>
+      </p:sp>
+    </p:spTree>
+    <p:extLst>
+      <p:ext uri="{BB962C8B-B14F-4D97-AF65-F5344CB8AC3E}">
+        <p14:creationId xmlns:p14="http://schemas.microsoft.com/office/powerpoint/2010/main" val="3700591436"/>
+      </p:ext>
+    </p:extLst>
+  </p:cSld>
+  <p:clrMapOvr>
+    <a:masterClrMapping/>
+  </p:clrMapOvr>
+</p:sld>
+</file>
+
+<file path=ppt/slides/slide11.xml><?xml version="1.0" encoding="utf-8"?>
+<p:sld xmlns:a="http://schemas.openxmlformats.org/drawingml/2006/main" xmlns:r="http://schemas.openxmlformats.org/officeDocument/2006/relationships" xmlns:p="http://schemas.openxmlformats.org/presentationml/2006/main">
+  <p:cSld>
+    <p:bg>
+      <p:bgPr>
+        <a:solidFill>
+          <a:schemeClr val="bg1">
+            <a:lumMod val="75000"/>
+          </a:schemeClr>
+        </a:solidFill>
+        <a:effectLst/>
+      </p:bgPr>
+    </p:bg>
+    <p:spTree>
+      <p:nvGrpSpPr>
+        <p:cNvPr id="1" name=""/>
+        <p:cNvGrpSpPr/>
+        <p:nvPr/>
+      </p:nvGrpSpPr>
+      <p:grpSpPr>
+        <a:xfrm>
+          <a:off x="0" y="0"/>
+          <a:ext cx="0" cy="0"/>
+          <a:chOff x="0" y="0"/>
+          <a:chExt cx="0" cy="0"/>
+        </a:xfrm>
+      </p:grpSpPr>
+      <p:sp>
+        <p:nvSpPr>
+          <p:cNvPr id="2" name="Title 1"/>
+          <p:cNvSpPr>
+            <a:spLocks noGrp="1"/>
+          </p:cNvSpPr>
+          <p:nvPr>
+            <p:ph type="ctrTitle"/>
+          </p:nvPr>
+        </p:nvSpPr>
+        <p:spPr>
+          <a:xfrm>
+            <a:off x="1524000" y="1122363"/>
+            <a:ext cx="9144000" cy="2387600"/>
+          </a:xfrm>
+        </p:spPr>
+        <p:txBody>
+          <a:bodyPr>
+            <a:normAutofit/>
+          </a:bodyPr>
+          <a:lstStyle/>
+          <a:p>
+            <a:r>
+              <a:rPr lang="en-US" sz="4800" dirty="0"/>
+              <a:t>End of Session</a:t>
+            </a:r>
+          </a:p>
+        </p:txBody>
+      </p:sp>
+      <p:sp>
+        <p:nvSpPr>
+          <p:cNvPr id="3" name="Subtitle 2"/>
+          <p:cNvSpPr>
+            <a:spLocks noGrp="1"/>
+          </p:cNvSpPr>
+          <p:nvPr>
+            <p:ph type="subTitle" idx="1"/>
+          </p:nvPr>
+        </p:nvSpPr>
+        <p:spPr>
+          <a:xfrm>
+            <a:off x="1524000" y="3602038"/>
+            <a:ext cx="9144000" cy="2198022"/>
+          </a:xfrm>
+        </p:spPr>
+        <p:txBody>
+          <a:bodyPr>
+            <a:normAutofit/>
+          </a:bodyPr>
+          <a:lstStyle/>
+          <a:p>
+            <a:pPr algn="l"/>
+            <a:r>
+              <a:rPr lang="en-US" dirty="0"/>
+              <a:t>Course Number: CPSC-24700</a:t>
+            </a:r>
+          </a:p>
+          <a:p>
+            <a:pPr algn="l"/>
+            <a:r>
+              <a:rPr lang="en-US" dirty="0"/>
+              <a:t>Instructor: Eric Pogue</a:t>
+            </a:r>
+          </a:p>
+        </p:txBody>
+      </p:sp>
+    </p:spTree>
+    <p:extLst>
+      <p:ext uri="{BB962C8B-B14F-4D97-AF65-F5344CB8AC3E}">
+        <p14:creationId xmlns:p14="http://schemas.microsoft.com/office/powerpoint/2010/main" val="1130818612"/>
       </p:ext>
     </p:extLst>
   </p:cSld>
@@ -4958,6 +5314,1519 @@
       </p:grpSpPr>
       <p:sp>
         <p:nvSpPr>
+          <p:cNvPr id="2" name="Title 1"/>
+          <p:cNvSpPr>
+            <a:spLocks noGrp="1"/>
+          </p:cNvSpPr>
+          <p:nvPr>
+            <p:ph type="ctrTitle"/>
+          </p:nvPr>
+        </p:nvSpPr>
+        <p:spPr>
+          <a:xfrm>
+            <a:off x="1524000" y="1122362"/>
+            <a:ext cx="9144000" cy="2807612"/>
+          </a:xfrm>
+        </p:spPr>
+        <p:txBody>
+          <a:bodyPr>
+            <a:noAutofit/>
+          </a:bodyPr>
+          <a:lstStyle/>
+          <a:p>
+            <a:br>
+              <a:rPr lang="en-US" sz="4000" dirty="0"/>
+            </a:br>
+            <a:r>
+              <a:rPr lang="en-US" sz="4000" dirty="0"/>
+              <a:t>Project 5 / Week 14 Lab</a:t>
+            </a:r>
+            <a:br>
+              <a:rPr lang="en-US" sz="4000" dirty="0"/>
+            </a:br>
+            <a:r>
+              <a:rPr lang="en-US" sz="4000" dirty="0"/>
+              <a:t>Architecture Review</a:t>
+            </a:r>
+          </a:p>
+        </p:txBody>
+      </p:sp>
+    </p:spTree>
+    <p:extLst>
+      <p:ext uri="{BB962C8B-B14F-4D97-AF65-F5344CB8AC3E}">
+        <p14:creationId xmlns:p14="http://schemas.microsoft.com/office/powerpoint/2010/main" val="2775337681"/>
+      </p:ext>
+    </p:extLst>
+  </p:cSld>
+  <p:clrMapOvr>
+    <a:masterClrMapping/>
+  </p:clrMapOvr>
+</p:sld>
+</file>
+
+<file path=ppt/slides/slide6.xml><?xml version="1.0" encoding="utf-8"?>
+<p:sld xmlns:a="http://schemas.openxmlformats.org/drawingml/2006/main" xmlns:r="http://schemas.openxmlformats.org/officeDocument/2006/relationships" xmlns:p="http://schemas.openxmlformats.org/presentationml/2006/main">
+  <p:cSld>
+    <p:bg>
+      <p:bgPr>
+        <a:solidFill>
+          <a:schemeClr val="bg1"/>
+        </a:solidFill>
+        <a:effectLst/>
+      </p:bgPr>
+    </p:bg>
+    <p:spTree>
+      <p:nvGrpSpPr>
+        <p:cNvPr id="1" name=""/>
+        <p:cNvGrpSpPr/>
+        <p:nvPr/>
+      </p:nvGrpSpPr>
+      <p:grpSpPr>
+        <a:xfrm>
+          <a:off x="0" y="0"/>
+          <a:ext cx="0" cy="0"/>
+          <a:chOff x="0" y="0"/>
+          <a:chExt cx="0" cy="0"/>
+        </a:xfrm>
+      </p:grpSpPr>
+      <p:sp>
+        <p:nvSpPr>
+          <p:cNvPr id="19" name="Rectangle 12">
+            <a:extLst>
+              <a:ext uri="{FF2B5EF4-FFF2-40B4-BE49-F238E27FC236}">
+                <a16:creationId xmlns:a16="http://schemas.microsoft.com/office/drawing/2014/main" id="{9E90EB45-EEE9-4563-8179-65EF62AE0978}"/>
+              </a:ext>
+            </a:extLst>
+          </p:cNvPr>
+          <p:cNvSpPr>
+            <a:spLocks noGrp="1" noRot="1" noChangeAspect="1" noMove="1" noResize="1" noEditPoints="1" noAdjustHandles="1" noChangeArrowheads="1" noChangeShapeType="1" noTextEdit="1"/>
+          </p:cNvSpPr>
+          <p:nvPr>
+            <p:extLst>
+              <p:ext uri="{386F3935-93C4-4BCD-93E2-E3B085C9AB24}">
+                <p16:designElem xmlns:p16="http://schemas.microsoft.com/office/powerpoint/2015/main" val="1"/>
+              </p:ext>
+            </p:extLst>
+          </p:nvPr>
+        </p:nvSpPr>
+        <p:spPr>
+          <a:xfrm>
+            <a:off x="0" y="0"/>
+            <a:ext cx="12192000" cy="6858000"/>
+          </a:xfrm>
+          <a:prstGeom prst="rect">
+            <a:avLst/>
+          </a:prstGeom>
+          <a:solidFill>
+            <a:srgbClr val="4E4E4E"/>
+          </a:solidFill>
+          <a:ln>
+            <a:noFill/>
+          </a:ln>
+        </p:spPr>
+        <p:style>
+          <a:lnRef idx="2">
+            <a:schemeClr val="accent1">
+              <a:shade val="50000"/>
+            </a:schemeClr>
+          </a:lnRef>
+          <a:fillRef idx="1">
+            <a:schemeClr val="accent1"/>
+          </a:fillRef>
+          <a:effectRef idx="0">
+            <a:schemeClr val="accent1"/>
+          </a:effectRef>
+          <a:fontRef idx="minor">
+            <a:schemeClr val="lt1"/>
+          </a:fontRef>
+        </p:style>
+        <p:txBody>
+          <a:bodyPr rtlCol="0" anchor="ctr"/>
+          <a:lstStyle/>
+          <a:p>
+            <a:pPr marL="0" marR="0" lvl="0" indent="0" algn="ctr" defTabSz="914400" rtl="0" eaLnBrk="1" fontAlgn="auto" latinLnBrk="0" hangingPunct="1">
+              <a:lnSpc>
+                <a:spcPct val="100000"/>
+              </a:lnSpc>
+              <a:spcBef>
+                <a:spcPts val="0"/>
+              </a:spcBef>
+              <a:spcAft>
+                <a:spcPts val="0"/>
+              </a:spcAft>
+              <a:buClrTx/>
+              <a:buSzTx/>
+              <a:buFontTx/>
+              <a:buNone/>
+              <a:tabLst/>
+              <a:defRPr/>
+            </a:pPr>
+            <a:endParaRPr kumimoji="0" lang="en-US" sz="1800" b="0" i="0" u="none" strike="noStrike" kern="1200" cap="none" spc="0" normalizeH="0" baseline="0" noProof="0">
+              <a:ln>
+                <a:noFill/>
+              </a:ln>
+              <a:solidFill>
+                <a:prstClr val="white"/>
+              </a:solidFill>
+              <a:effectLst/>
+              <a:uLnTx/>
+              <a:uFillTx/>
+              <a:latin typeface="Calibri" panose="020F0502020204030204"/>
+              <a:ea typeface="+mn-ea"/>
+              <a:cs typeface="+mn-cs"/>
+            </a:endParaRPr>
+          </a:p>
+        </p:txBody>
+      </p:sp>
+      <p:sp>
+        <p:nvSpPr>
+          <p:cNvPr id="20" name="Rectangle 14">
+            <a:extLst>
+              <a:ext uri="{FF2B5EF4-FFF2-40B4-BE49-F238E27FC236}">
+                <a16:creationId xmlns:a16="http://schemas.microsoft.com/office/drawing/2014/main" id="{23D0EF74-AD1E-4FD9-914D-8EC9058EBBA3}"/>
+              </a:ext>
+            </a:extLst>
+          </p:cNvPr>
+          <p:cNvSpPr>
+            <a:spLocks noGrp="1" noRot="1" noChangeAspect="1" noMove="1" noResize="1" noEditPoints="1" noAdjustHandles="1" noChangeArrowheads="1" noChangeShapeType="1" noTextEdit="1"/>
+          </p:cNvSpPr>
+          <p:nvPr>
+            <p:extLst>
+              <p:ext uri="{386F3935-93C4-4BCD-93E2-E3B085C9AB24}">
+                <p16:designElem xmlns:p16="http://schemas.microsoft.com/office/powerpoint/2015/main" val="1"/>
+              </p:ext>
+            </p:extLst>
+          </p:nvPr>
+        </p:nvSpPr>
+        <p:spPr>
+          <a:xfrm>
+            <a:off x="477012" y="480060"/>
+            <a:ext cx="11237976" cy="5897880"/>
+          </a:xfrm>
+          <a:prstGeom prst="rect">
+            <a:avLst/>
+          </a:prstGeom>
+          <a:noFill/>
+          <a:ln>
+            <a:solidFill>
+              <a:srgbClr val="FFFFFF"/>
+            </a:solidFill>
+          </a:ln>
+        </p:spPr>
+        <p:style>
+          <a:lnRef idx="2">
+            <a:schemeClr val="accent1">
+              <a:shade val="50000"/>
+            </a:schemeClr>
+          </a:lnRef>
+          <a:fillRef idx="1">
+            <a:schemeClr val="accent1"/>
+          </a:fillRef>
+          <a:effectRef idx="0">
+            <a:schemeClr val="accent1"/>
+          </a:effectRef>
+          <a:fontRef idx="minor">
+            <a:schemeClr val="lt1"/>
+          </a:fontRef>
+        </p:style>
+        <p:txBody>
+          <a:bodyPr rtlCol="0" anchor="ctr"/>
+          <a:lstStyle/>
+          <a:p>
+            <a:pPr marL="0" marR="0" lvl="0" indent="0" algn="ctr" defTabSz="914400" rtl="0" eaLnBrk="1" fontAlgn="auto" latinLnBrk="0" hangingPunct="1">
+              <a:lnSpc>
+                <a:spcPct val="100000"/>
+              </a:lnSpc>
+              <a:spcBef>
+                <a:spcPts val="0"/>
+              </a:spcBef>
+              <a:spcAft>
+                <a:spcPts val="0"/>
+              </a:spcAft>
+              <a:buClrTx/>
+              <a:buSzTx/>
+              <a:buFontTx/>
+              <a:buNone/>
+              <a:tabLst/>
+              <a:defRPr/>
+            </a:pPr>
+            <a:endParaRPr kumimoji="0" lang="en-US" sz="1800" b="0" i="0" u="none" strike="noStrike" kern="1200" cap="none" spc="0" normalizeH="0" baseline="0" noProof="0">
+              <a:ln>
+                <a:noFill/>
+              </a:ln>
+              <a:solidFill>
+                <a:prstClr val="white"/>
+              </a:solidFill>
+              <a:effectLst/>
+              <a:uLnTx/>
+              <a:uFillTx/>
+              <a:latin typeface="Calibri" panose="020F0502020204030204"/>
+              <a:ea typeface="+mn-ea"/>
+              <a:cs typeface="+mn-cs"/>
+            </a:endParaRPr>
+          </a:p>
+        </p:txBody>
+      </p:sp>
+      <p:pic>
+        <p:nvPicPr>
+          <p:cNvPr id="8" name="Picture 7" descr="A screenshot of a cell phone&#10;&#10;Description generated with high confidence">
+            <a:extLst>
+              <a:ext uri="{FF2B5EF4-FFF2-40B4-BE49-F238E27FC236}">
+                <a16:creationId xmlns:a16="http://schemas.microsoft.com/office/drawing/2014/main" id="{FF76BAFB-FB4F-4A5F-B4FB-BC8E67303BDC}"/>
+              </a:ext>
+            </a:extLst>
+          </p:cNvPr>
+          <p:cNvPicPr>
+            <a:picLocks noChangeAspect="1"/>
+          </p:cNvPicPr>
+          <p:nvPr/>
+        </p:nvPicPr>
+        <p:blipFill rotWithShape="1">
+          <a:blip r:embed="rId3">
+            <a:extLst>
+              <a:ext uri="{28A0092B-C50C-407E-A947-70E740481C1C}">
+                <a14:useLocalDpi xmlns:a14="http://schemas.microsoft.com/office/drawing/2010/main" val="0"/>
+              </a:ext>
+            </a:extLst>
+          </a:blip>
+          <a:srcRect l="22500" t="2717" r="4846" b="1738"/>
+          <a:stretch/>
+        </p:blipFill>
+        <p:spPr>
+          <a:xfrm>
+            <a:off x="1345195" y="1100822"/>
+            <a:ext cx="6294707" cy="4656356"/>
+          </a:xfrm>
+          <a:prstGeom prst="rect">
+            <a:avLst/>
+          </a:prstGeom>
+        </p:spPr>
+      </p:pic>
+      <p:sp>
+        <p:nvSpPr>
+          <p:cNvPr id="2" name="TextBox 1">
+            <a:extLst>
+              <a:ext uri="{FF2B5EF4-FFF2-40B4-BE49-F238E27FC236}">
+                <a16:creationId xmlns:a16="http://schemas.microsoft.com/office/drawing/2014/main" id="{73BE25C5-A793-4592-9E9A-2C1441DB5E62}"/>
+              </a:ext>
+            </a:extLst>
+          </p:cNvPr>
+          <p:cNvSpPr txBox="1"/>
+          <p:nvPr/>
+        </p:nvSpPr>
+        <p:spPr>
+          <a:xfrm>
+            <a:off x="8333608" y="1352099"/>
+            <a:ext cx="2734532" cy="1477328"/>
+          </a:xfrm>
+          <a:prstGeom prst="rect">
+            <a:avLst/>
+          </a:prstGeom>
+          <a:noFill/>
+        </p:spPr>
+        <p:txBody>
+          <a:bodyPr wrap="square" rtlCol="0">
+            <a:spAutoFit/>
+          </a:bodyPr>
+          <a:lstStyle/>
+          <a:p>
+            <a:pPr marL="0" marR="0" lvl="0" indent="0" algn="l" defTabSz="914400" rtl="0" eaLnBrk="1" fontAlgn="auto" latinLnBrk="0" hangingPunct="1">
+              <a:lnSpc>
+                <a:spcPct val="100000"/>
+              </a:lnSpc>
+              <a:spcBef>
+                <a:spcPts val="0"/>
+              </a:spcBef>
+              <a:spcAft>
+                <a:spcPts val="0"/>
+              </a:spcAft>
+              <a:buClrTx/>
+              <a:buSzTx/>
+              <a:buFontTx/>
+              <a:buNone/>
+              <a:tabLst/>
+              <a:defRPr/>
+            </a:pPr>
+            <a:r>
+              <a:rPr kumimoji="0" lang="en-US" sz="1800" b="0" i="0" u="none" strike="noStrike" kern="1200" cap="none" spc="0" normalizeH="0" baseline="0" noProof="0" dirty="0">
+                <a:ln>
+                  <a:noFill/>
+                </a:ln>
+                <a:solidFill>
+                  <a:prstClr val="white"/>
+                </a:solidFill>
+                <a:effectLst/>
+                <a:uLnTx/>
+                <a:uFillTx/>
+                <a:latin typeface="Calibri" panose="020F0502020204030204"/>
+                <a:ea typeface="+mn-ea"/>
+                <a:cs typeface="+mn-cs"/>
+              </a:rPr>
+              <a:t>MEAN.JS</a:t>
+            </a:r>
+          </a:p>
+          <a:p>
+            <a:pPr marL="285750" marR="0" lvl="0" indent="-285750" algn="l" defTabSz="914400" rtl="0" eaLnBrk="1" fontAlgn="auto" latinLnBrk="0" hangingPunct="1">
+              <a:lnSpc>
+                <a:spcPct val="100000"/>
+              </a:lnSpc>
+              <a:spcBef>
+                <a:spcPts val="0"/>
+              </a:spcBef>
+              <a:spcAft>
+                <a:spcPts val="0"/>
+              </a:spcAft>
+              <a:buClrTx/>
+              <a:buSzTx/>
+              <a:buFont typeface="Arial" panose="020B0604020202020204" pitchFamily="34" charset="0"/>
+              <a:buChar char="•"/>
+              <a:tabLst/>
+              <a:defRPr/>
+            </a:pPr>
+            <a:r>
+              <a:rPr kumimoji="0" lang="en-US" sz="1800" b="0" i="0" u="none" strike="noStrike" kern="1200" cap="none" spc="0" normalizeH="0" baseline="0" noProof="0" dirty="0">
+                <a:ln>
+                  <a:noFill/>
+                </a:ln>
+                <a:solidFill>
+                  <a:prstClr val="white"/>
+                </a:solidFill>
+                <a:effectLst/>
+                <a:uLnTx/>
+                <a:uFillTx/>
+                <a:latin typeface="Calibri" panose="020F0502020204030204"/>
+                <a:ea typeface="+mn-ea"/>
+                <a:cs typeface="+mn-cs"/>
+              </a:rPr>
+              <a:t>MongoDB, </a:t>
+            </a:r>
+          </a:p>
+          <a:p>
+            <a:pPr marL="285750" marR="0" lvl="0" indent="-285750" algn="l" defTabSz="914400" rtl="0" eaLnBrk="1" fontAlgn="auto" latinLnBrk="0" hangingPunct="1">
+              <a:lnSpc>
+                <a:spcPct val="100000"/>
+              </a:lnSpc>
+              <a:spcBef>
+                <a:spcPts val="0"/>
+              </a:spcBef>
+              <a:spcAft>
+                <a:spcPts val="0"/>
+              </a:spcAft>
+              <a:buClrTx/>
+              <a:buSzTx/>
+              <a:buFont typeface="Arial" panose="020B0604020202020204" pitchFamily="34" charset="0"/>
+              <a:buChar char="•"/>
+              <a:tabLst/>
+              <a:defRPr/>
+            </a:pPr>
+            <a:r>
+              <a:rPr kumimoji="0" lang="en-US" sz="1800" b="0" i="0" u="none" strike="noStrike" kern="1200" cap="none" spc="0" normalizeH="0" baseline="0" noProof="0" dirty="0" err="1">
+                <a:ln>
+                  <a:noFill/>
+                </a:ln>
+                <a:solidFill>
+                  <a:prstClr val="white"/>
+                </a:solidFill>
+                <a:effectLst/>
+                <a:uLnTx/>
+                <a:uFillTx/>
+                <a:latin typeface="Calibri" panose="020F0502020204030204"/>
+                <a:ea typeface="+mn-ea"/>
+                <a:cs typeface="+mn-cs"/>
+              </a:rPr>
+              <a:t>ExpressJS</a:t>
+            </a:r>
+            <a:r>
+              <a:rPr kumimoji="0" lang="en-US" sz="1800" b="0" i="0" u="none" strike="noStrike" kern="1200" cap="none" spc="0" normalizeH="0" baseline="0" noProof="0" dirty="0">
+                <a:ln>
+                  <a:noFill/>
+                </a:ln>
+                <a:solidFill>
+                  <a:prstClr val="white"/>
+                </a:solidFill>
+                <a:effectLst/>
+                <a:uLnTx/>
+                <a:uFillTx/>
+                <a:latin typeface="Calibri" panose="020F0502020204030204"/>
+                <a:ea typeface="+mn-ea"/>
+                <a:cs typeface="+mn-cs"/>
+              </a:rPr>
+              <a:t>, </a:t>
+            </a:r>
+          </a:p>
+          <a:p>
+            <a:pPr marL="285750" marR="0" lvl="0" indent="-285750" algn="l" defTabSz="914400" rtl="0" eaLnBrk="1" fontAlgn="auto" latinLnBrk="0" hangingPunct="1">
+              <a:lnSpc>
+                <a:spcPct val="100000"/>
+              </a:lnSpc>
+              <a:spcBef>
+                <a:spcPts val="0"/>
+              </a:spcBef>
+              <a:spcAft>
+                <a:spcPts val="0"/>
+              </a:spcAft>
+              <a:buClrTx/>
+              <a:buSzTx/>
+              <a:buFont typeface="Arial" panose="020B0604020202020204" pitchFamily="34" charset="0"/>
+              <a:buChar char="•"/>
+              <a:tabLst/>
+              <a:defRPr/>
+            </a:pPr>
+            <a:r>
+              <a:rPr kumimoji="0" lang="en-US" sz="1800" b="0" i="0" u="none" strike="noStrike" kern="1200" cap="none" spc="0" normalizeH="0" baseline="0" noProof="0" dirty="0">
+                <a:ln>
+                  <a:noFill/>
+                </a:ln>
+                <a:solidFill>
+                  <a:prstClr val="white"/>
+                </a:solidFill>
+                <a:effectLst/>
+                <a:uLnTx/>
+                <a:uFillTx/>
+                <a:latin typeface="Calibri" panose="020F0502020204030204"/>
+                <a:ea typeface="+mn-ea"/>
+                <a:cs typeface="+mn-cs"/>
+              </a:rPr>
+              <a:t>AngularJS, </a:t>
+            </a:r>
+          </a:p>
+          <a:p>
+            <a:pPr marL="285750" marR="0" lvl="0" indent="-285750" algn="l" defTabSz="914400" rtl="0" eaLnBrk="1" fontAlgn="auto" latinLnBrk="0" hangingPunct="1">
+              <a:lnSpc>
+                <a:spcPct val="100000"/>
+              </a:lnSpc>
+              <a:spcBef>
+                <a:spcPts val="0"/>
+              </a:spcBef>
+              <a:spcAft>
+                <a:spcPts val="0"/>
+              </a:spcAft>
+              <a:buClrTx/>
+              <a:buSzTx/>
+              <a:buFont typeface="Arial" panose="020B0604020202020204" pitchFamily="34" charset="0"/>
+              <a:buChar char="•"/>
+              <a:tabLst/>
+              <a:defRPr/>
+            </a:pPr>
+            <a:r>
+              <a:rPr kumimoji="0" lang="en-US" sz="1800" b="0" i="0" u="none" strike="noStrike" kern="1200" cap="none" spc="0" normalizeH="0" baseline="0" noProof="0" dirty="0">
+                <a:ln>
+                  <a:noFill/>
+                </a:ln>
+                <a:solidFill>
+                  <a:prstClr val="white"/>
+                </a:solidFill>
+                <a:effectLst/>
+                <a:uLnTx/>
+                <a:uFillTx/>
+                <a:latin typeface="Calibri" panose="020F0502020204030204"/>
+                <a:ea typeface="+mn-ea"/>
+                <a:cs typeface="+mn-cs"/>
+              </a:rPr>
+              <a:t>and Node.js</a:t>
+            </a:r>
+          </a:p>
+        </p:txBody>
+      </p:sp>
+      <p:sp>
+        <p:nvSpPr>
+          <p:cNvPr id="10" name="TextBox 9">
+            <a:extLst>
+              <a:ext uri="{FF2B5EF4-FFF2-40B4-BE49-F238E27FC236}">
+                <a16:creationId xmlns:a16="http://schemas.microsoft.com/office/drawing/2014/main" id="{E2231E78-EC1F-4042-952C-8DBA8A9FFFCE}"/>
+              </a:ext>
+            </a:extLst>
+          </p:cNvPr>
+          <p:cNvSpPr txBox="1"/>
+          <p:nvPr/>
+        </p:nvSpPr>
+        <p:spPr>
+          <a:xfrm>
+            <a:off x="8333607" y="3055135"/>
+            <a:ext cx="3057063" cy="646331"/>
+          </a:xfrm>
+          <a:prstGeom prst="rect">
+            <a:avLst/>
+          </a:prstGeom>
+          <a:noFill/>
+        </p:spPr>
+        <p:txBody>
+          <a:bodyPr wrap="square" rtlCol="0">
+            <a:spAutoFit/>
+          </a:bodyPr>
+          <a:lstStyle/>
+          <a:p>
+            <a:pPr marL="0" marR="0" lvl="0" indent="0" algn="l" defTabSz="914400" rtl="0" eaLnBrk="1" fontAlgn="auto" latinLnBrk="0" hangingPunct="1">
+              <a:lnSpc>
+                <a:spcPct val="100000"/>
+              </a:lnSpc>
+              <a:spcBef>
+                <a:spcPts val="0"/>
+              </a:spcBef>
+              <a:spcAft>
+                <a:spcPts val="0"/>
+              </a:spcAft>
+              <a:buClrTx/>
+              <a:buSzTx/>
+              <a:buFontTx/>
+              <a:buNone/>
+              <a:tabLst/>
+              <a:defRPr/>
+            </a:pPr>
+            <a:r>
+              <a:rPr kumimoji="0" lang="en-US" sz="1800" b="0" i="0" u="none" strike="noStrike" kern="1200" cap="none" spc="0" normalizeH="0" baseline="0" noProof="0" dirty="0">
+                <a:ln>
+                  <a:noFill/>
+                </a:ln>
+                <a:solidFill>
+                  <a:prstClr val="white"/>
+                </a:solidFill>
+                <a:effectLst/>
+                <a:uLnTx/>
+                <a:uFillTx/>
+                <a:latin typeface="Calibri" panose="020F0502020204030204"/>
+                <a:ea typeface="+mn-ea"/>
+                <a:cs typeface="+mn-cs"/>
+              </a:rPr>
+              <a:t>Model/View/Controller </a:t>
+            </a:r>
+          </a:p>
+          <a:p>
+            <a:pPr marL="0" marR="0" lvl="0" indent="0" algn="l" defTabSz="914400" rtl="0" eaLnBrk="1" fontAlgn="auto" latinLnBrk="0" hangingPunct="1">
+              <a:lnSpc>
+                <a:spcPct val="100000"/>
+              </a:lnSpc>
+              <a:spcBef>
+                <a:spcPts val="0"/>
+              </a:spcBef>
+              <a:spcAft>
+                <a:spcPts val="0"/>
+              </a:spcAft>
+              <a:buClrTx/>
+              <a:buSzTx/>
+              <a:buFontTx/>
+              <a:buNone/>
+              <a:tabLst/>
+              <a:defRPr/>
+            </a:pPr>
+            <a:r>
+              <a:rPr kumimoji="0" lang="en-US" sz="1800" b="0" i="0" u="none" strike="noStrike" kern="1200" cap="none" spc="0" normalizeH="0" baseline="0" noProof="0" dirty="0">
+                <a:ln>
+                  <a:noFill/>
+                </a:ln>
+                <a:solidFill>
+                  <a:prstClr val="white"/>
+                </a:solidFill>
+                <a:effectLst/>
+                <a:uLnTx/>
+                <a:uFillTx/>
+                <a:latin typeface="Calibri" panose="020F0502020204030204"/>
+                <a:ea typeface="+mn-ea"/>
+                <a:cs typeface="+mn-cs"/>
+              </a:rPr>
+              <a:t>Web Development Framework</a:t>
+            </a:r>
+          </a:p>
+        </p:txBody>
+      </p:sp>
+    </p:spTree>
+    <p:extLst>
+      <p:ext uri="{BB962C8B-B14F-4D97-AF65-F5344CB8AC3E}">
+        <p14:creationId xmlns:p14="http://schemas.microsoft.com/office/powerpoint/2010/main" val="223220123"/>
+      </p:ext>
+    </p:extLst>
+  </p:cSld>
+  <p:clrMapOvr>
+    <a:masterClrMapping/>
+  </p:clrMapOvr>
+  <p:timing>
+    <p:tnLst>
+      <p:par>
+        <p:cTn id="1" dur="indefinite" restart="never" nodeType="tmRoot">
+          <p:childTnLst>
+            <p:seq concurrent="1" nextAc="seek">
+              <p:cTn id="2" dur="indefinite" nodeType="mainSeq">
+                <p:childTnLst>
+                  <p:par>
+                    <p:cTn id="3" fill="hold">
+                      <p:stCondLst>
+                        <p:cond delay="indefinite"/>
+                      </p:stCondLst>
+                      <p:childTnLst>
+                        <p:par>
+                          <p:cTn id="4" fill="hold">
+                            <p:stCondLst>
+                              <p:cond delay="0"/>
+                            </p:stCondLst>
+                            <p:childTnLst>
+                              <p:par>
+                                <p:cTn id="5" presetID="10" presetClass="entr" presetSubtype="0" fill="hold" grpId="0" nodeType="clickEffect">
+                                  <p:stCondLst>
+                                    <p:cond delay="0"/>
+                                  </p:stCondLst>
+                                  <p:childTnLst>
+                                    <p:set>
+                                      <p:cBhvr>
+                                        <p:cTn id="6" dur="1" fill="hold">
+                                          <p:stCondLst>
+                                            <p:cond delay="0"/>
+                                          </p:stCondLst>
+                                        </p:cTn>
+                                        <p:tgtEl>
+                                          <p:spTgt spid="2"/>
+                                        </p:tgtEl>
+                                        <p:attrNameLst>
+                                          <p:attrName>style.visibility</p:attrName>
+                                        </p:attrNameLst>
+                                      </p:cBhvr>
+                                      <p:to>
+                                        <p:strVal val="visible"/>
+                                      </p:to>
+                                    </p:set>
+                                    <p:animEffect transition="in" filter="fade">
+                                      <p:cBhvr>
+                                        <p:cTn id="7" dur="500"/>
+                                        <p:tgtEl>
+                                          <p:spTgt spid="2"/>
+                                        </p:tgtEl>
+                                      </p:cBhvr>
+                                    </p:animEffect>
+                                  </p:childTnLst>
+                                </p:cTn>
+                              </p:par>
+                            </p:childTnLst>
+                          </p:cTn>
+                        </p:par>
+                      </p:childTnLst>
+                    </p:cTn>
+                  </p:par>
+                  <p:par>
+                    <p:cTn id="8" fill="hold">
+                      <p:stCondLst>
+                        <p:cond delay="indefinite"/>
+                      </p:stCondLst>
+                      <p:childTnLst>
+                        <p:par>
+                          <p:cTn id="9" fill="hold">
+                            <p:stCondLst>
+                              <p:cond delay="0"/>
+                            </p:stCondLst>
+                            <p:childTnLst>
+                              <p:par>
+                                <p:cTn id="10" presetID="10" presetClass="entr" presetSubtype="0" fill="hold" grpId="0" nodeType="clickEffect">
+                                  <p:stCondLst>
+                                    <p:cond delay="0"/>
+                                  </p:stCondLst>
+                                  <p:childTnLst>
+                                    <p:set>
+                                      <p:cBhvr>
+                                        <p:cTn id="11" dur="1" fill="hold">
+                                          <p:stCondLst>
+                                            <p:cond delay="0"/>
+                                          </p:stCondLst>
+                                        </p:cTn>
+                                        <p:tgtEl>
+                                          <p:spTgt spid="10"/>
+                                        </p:tgtEl>
+                                        <p:attrNameLst>
+                                          <p:attrName>style.visibility</p:attrName>
+                                        </p:attrNameLst>
+                                      </p:cBhvr>
+                                      <p:to>
+                                        <p:strVal val="visible"/>
+                                      </p:to>
+                                    </p:set>
+                                    <p:animEffect transition="in" filter="fade">
+                                      <p:cBhvr>
+                                        <p:cTn id="12" dur="500"/>
+                                        <p:tgtEl>
+                                          <p:spTgt spid="10"/>
+                                        </p:tgtEl>
+                                      </p:cBhvr>
+                                    </p:animEffect>
+                                  </p:childTnLst>
+                                </p:cTn>
+                              </p:par>
+                            </p:childTnLst>
+                          </p:cTn>
+                        </p:par>
+                      </p:childTnLst>
+                    </p:cTn>
+                  </p:par>
+                </p:childTnLst>
+              </p:cTn>
+              <p:prevCondLst>
+                <p:cond evt="onPrev" delay="0">
+                  <p:tgtEl>
+                    <p:sldTgt/>
+                  </p:tgtEl>
+                </p:cond>
+              </p:prevCondLst>
+              <p:nextCondLst>
+                <p:cond evt="onNext" delay="0">
+                  <p:tgtEl>
+                    <p:sldTgt/>
+                  </p:tgtEl>
+                </p:cond>
+              </p:nextCondLst>
+            </p:seq>
+          </p:childTnLst>
+        </p:cTn>
+      </p:par>
+    </p:tnLst>
+    <p:bldLst>
+      <p:bldP spid="2" grpId="0"/>
+      <p:bldP spid="10" grpId="0"/>
+    </p:bldLst>
+  </p:timing>
+</p:sld>
+</file>
+
+<file path=ppt/slides/slide7.xml><?xml version="1.0" encoding="utf-8"?>
+<p:sld xmlns:a="http://schemas.openxmlformats.org/drawingml/2006/main" xmlns:r="http://schemas.openxmlformats.org/officeDocument/2006/relationships" xmlns:p="http://schemas.openxmlformats.org/presentationml/2006/main">
+  <p:cSld>
+    <p:bg>
+      <p:bgPr>
+        <a:solidFill>
+          <a:schemeClr val="bg1"/>
+        </a:solidFill>
+        <a:effectLst/>
+      </p:bgPr>
+    </p:bg>
+    <p:spTree>
+      <p:nvGrpSpPr>
+        <p:cNvPr id="1" name=""/>
+        <p:cNvGrpSpPr/>
+        <p:nvPr/>
+      </p:nvGrpSpPr>
+      <p:grpSpPr>
+        <a:xfrm>
+          <a:off x="0" y="0"/>
+          <a:ext cx="0" cy="0"/>
+          <a:chOff x="0" y="0"/>
+          <a:chExt cx="0" cy="0"/>
+        </a:xfrm>
+      </p:grpSpPr>
+      <p:sp>
+        <p:nvSpPr>
+          <p:cNvPr id="19" name="Rectangle 12">
+            <a:extLst>
+              <a:ext uri="{FF2B5EF4-FFF2-40B4-BE49-F238E27FC236}">
+                <a16:creationId xmlns:a16="http://schemas.microsoft.com/office/drawing/2014/main" id="{9E90EB45-EEE9-4563-8179-65EF62AE0978}"/>
+              </a:ext>
+            </a:extLst>
+          </p:cNvPr>
+          <p:cNvSpPr>
+            <a:spLocks noGrp="1" noRot="1" noChangeAspect="1" noMove="1" noResize="1" noEditPoints="1" noAdjustHandles="1" noChangeArrowheads="1" noChangeShapeType="1" noTextEdit="1"/>
+          </p:cNvSpPr>
+          <p:nvPr>
+            <p:extLst>
+              <p:ext uri="{386F3935-93C4-4BCD-93E2-E3B085C9AB24}">
+                <p16:designElem xmlns:p16="http://schemas.microsoft.com/office/powerpoint/2015/main" val="1"/>
+              </p:ext>
+            </p:extLst>
+          </p:nvPr>
+        </p:nvSpPr>
+        <p:spPr>
+          <a:xfrm>
+            <a:off x="0" y="0"/>
+            <a:ext cx="12192000" cy="6858000"/>
+          </a:xfrm>
+          <a:prstGeom prst="rect">
+            <a:avLst/>
+          </a:prstGeom>
+          <a:solidFill>
+            <a:srgbClr val="4E4E4E"/>
+          </a:solidFill>
+          <a:ln>
+            <a:noFill/>
+          </a:ln>
+        </p:spPr>
+        <p:style>
+          <a:lnRef idx="2">
+            <a:schemeClr val="accent1">
+              <a:shade val="50000"/>
+            </a:schemeClr>
+          </a:lnRef>
+          <a:fillRef idx="1">
+            <a:schemeClr val="accent1"/>
+          </a:fillRef>
+          <a:effectRef idx="0">
+            <a:schemeClr val="accent1"/>
+          </a:effectRef>
+          <a:fontRef idx="minor">
+            <a:schemeClr val="lt1"/>
+          </a:fontRef>
+        </p:style>
+        <p:txBody>
+          <a:bodyPr rtlCol="0" anchor="ctr"/>
+          <a:lstStyle/>
+          <a:p>
+            <a:pPr marL="0" marR="0" lvl="0" indent="0" algn="ctr" defTabSz="914400" rtl="0" eaLnBrk="1" fontAlgn="auto" latinLnBrk="0" hangingPunct="1">
+              <a:lnSpc>
+                <a:spcPct val="100000"/>
+              </a:lnSpc>
+              <a:spcBef>
+                <a:spcPts val="0"/>
+              </a:spcBef>
+              <a:spcAft>
+                <a:spcPts val="0"/>
+              </a:spcAft>
+              <a:buClrTx/>
+              <a:buSzTx/>
+              <a:buFontTx/>
+              <a:buNone/>
+              <a:tabLst/>
+              <a:defRPr/>
+            </a:pPr>
+            <a:endParaRPr kumimoji="0" lang="en-US" sz="1800" b="0" i="0" u="none" strike="noStrike" kern="1200" cap="none" spc="0" normalizeH="0" baseline="0" noProof="0">
+              <a:ln>
+                <a:noFill/>
+              </a:ln>
+              <a:solidFill>
+                <a:prstClr val="white"/>
+              </a:solidFill>
+              <a:effectLst/>
+              <a:uLnTx/>
+              <a:uFillTx/>
+              <a:latin typeface="Calibri" panose="020F0502020204030204"/>
+              <a:ea typeface="+mn-ea"/>
+              <a:cs typeface="+mn-cs"/>
+            </a:endParaRPr>
+          </a:p>
+        </p:txBody>
+      </p:sp>
+      <p:pic>
+        <p:nvPicPr>
+          <p:cNvPr id="3" name="Picture 2" descr="A screenshot of a cell phone&#10;&#10;Description generated with high confidence">
+            <a:extLst>
+              <a:ext uri="{FF2B5EF4-FFF2-40B4-BE49-F238E27FC236}">
+                <a16:creationId xmlns:a16="http://schemas.microsoft.com/office/drawing/2014/main" id="{CB0BDE19-A17D-4C94-8C82-60C28DD46B3B}"/>
+              </a:ext>
+            </a:extLst>
+          </p:cNvPr>
+          <p:cNvPicPr>
+            <a:picLocks noChangeAspect="1"/>
+          </p:cNvPicPr>
+          <p:nvPr/>
+        </p:nvPicPr>
+        <p:blipFill rotWithShape="1">
+          <a:blip r:embed="rId2">
+            <a:extLst>
+              <a:ext uri="{28A0092B-C50C-407E-A947-70E740481C1C}">
+                <a14:useLocalDpi xmlns:a14="http://schemas.microsoft.com/office/drawing/2010/main" val="0"/>
+              </a:ext>
+            </a:extLst>
+          </a:blip>
+          <a:srcRect l="22500" t="2717" r="4846" b="1738"/>
+          <a:stretch/>
+        </p:blipFill>
+        <p:spPr>
+          <a:xfrm>
+            <a:off x="710900" y="731698"/>
+            <a:ext cx="4246796" cy="3141464"/>
+          </a:xfrm>
+          <a:prstGeom prst="rect">
+            <a:avLst/>
+          </a:prstGeom>
+        </p:spPr>
+      </p:pic>
+      <p:sp>
+        <p:nvSpPr>
+          <p:cNvPr id="20" name="Rectangle 14">
+            <a:extLst>
+              <a:ext uri="{FF2B5EF4-FFF2-40B4-BE49-F238E27FC236}">
+                <a16:creationId xmlns:a16="http://schemas.microsoft.com/office/drawing/2014/main" id="{23D0EF74-AD1E-4FD9-914D-8EC9058EBBA3}"/>
+              </a:ext>
+            </a:extLst>
+          </p:cNvPr>
+          <p:cNvSpPr>
+            <a:spLocks noGrp="1" noRot="1" noChangeAspect="1" noMove="1" noResize="1" noEditPoints="1" noAdjustHandles="1" noChangeArrowheads="1" noChangeShapeType="1" noTextEdit="1"/>
+          </p:cNvSpPr>
+          <p:nvPr>
+            <p:extLst>
+              <p:ext uri="{386F3935-93C4-4BCD-93E2-E3B085C9AB24}">
+                <p16:designElem xmlns:p16="http://schemas.microsoft.com/office/powerpoint/2015/main" val="1"/>
+              </p:ext>
+            </p:extLst>
+          </p:nvPr>
+        </p:nvSpPr>
+        <p:spPr>
+          <a:xfrm>
+            <a:off x="477012" y="480060"/>
+            <a:ext cx="11237976" cy="5897880"/>
+          </a:xfrm>
+          <a:prstGeom prst="rect">
+            <a:avLst/>
+          </a:prstGeom>
+          <a:noFill/>
+          <a:ln>
+            <a:solidFill>
+              <a:srgbClr val="FFFFFF"/>
+            </a:solidFill>
+          </a:ln>
+        </p:spPr>
+        <p:style>
+          <a:lnRef idx="2">
+            <a:schemeClr val="accent1">
+              <a:shade val="50000"/>
+            </a:schemeClr>
+          </a:lnRef>
+          <a:fillRef idx="1">
+            <a:schemeClr val="accent1"/>
+          </a:fillRef>
+          <a:effectRef idx="0">
+            <a:schemeClr val="accent1"/>
+          </a:effectRef>
+          <a:fontRef idx="minor">
+            <a:schemeClr val="lt1"/>
+          </a:fontRef>
+        </p:style>
+        <p:txBody>
+          <a:bodyPr rtlCol="0" anchor="ctr"/>
+          <a:lstStyle/>
+          <a:p>
+            <a:pPr marL="0" marR="0" lvl="0" indent="0" algn="ctr" defTabSz="914400" rtl="0" eaLnBrk="1" fontAlgn="auto" latinLnBrk="0" hangingPunct="1">
+              <a:lnSpc>
+                <a:spcPct val="100000"/>
+              </a:lnSpc>
+              <a:spcBef>
+                <a:spcPts val="0"/>
+              </a:spcBef>
+              <a:spcAft>
+                <a:spcPts val="0"/>
+              </a:spcAft>
+              <a:buClrTx/>
+              <a:buSzTx/>
+              <a:buFontTx/>
+              <a:buNone/>
+              <a:tabLst/>
+              <a:defRPr/>
+            </a:pPr>
+            <a:endParaRPr kumimoji="0" lang="en-US" sz="1800" b="0" i="0" u="none" strike="noStrike" kern="1200" cap="none" spc="0" normalizeH="0" baseline="0" noProof="0">
+              <a:ln>
+                <a:noFill/>
+              </a:ln>
+              <a:solidFill>
+                <a:prstClr val="white"/>
+              </a:solidFill>
+              <a:effectLst/>
+              <a:uLnTx/>
+              <a:uFillTx/>
+              <a:latin typeface="Calibri" panose="020F0502020204030204"/>
+              <a:ea typeface="+mn-ea"/>
+              <a:cs typeface="+mn-cs"/>
+            </a:endParaRPr>
+          </a:p>
+        </p:txBody>
+      </p:sp>
+      <p:sp>
+        <p:nvSpPr>
+          <p:cNvPr id="7" name="TextBox 6">
+            <a:extLst>
+              <a:ext uri="{FF2B5EF4-FFF2-40B4-BE49-F238E27FC236}">
+                <a16:creationId xmlns:a16="http://schemas.microsoft.com/office/drawing/2014/main" id="{7877802D-D597-4F9E-828D-6AABA5CF4950}"/>
+              </a:ext>
+            </a:extLst>
+          </p:cNvPr>
+          <p:cNvSpPr txBox="1"/>
+          <p:nvPr/>
+        </p:nvSpPr>
+        <p:spPr>
+          <a:xfrm>
+            <a:off x="5434707" y="849307"/>
+            <a:ext cx="3132917" cy="369332"/>
+          </a:xfrm>
+          <a:prstGeom prst="rect">
+            <a:avLst/>
+          </a:prstGeom>
+          <a:noFill/>
+        </p:spPr>
+        <p:txBody>
+          <a:bodyPr wrap="square" rtlCol="0">
+            <a:spAutoFit/>
+          </a:bodyPr>
+          <a:lstStyle/>
+          <a:p>
+            <a:pPr marL="0" marR="0" lvl="0" indent="0" algn="l" defTabSz="914400" rtl="0" eaLnBrk="1" fontAlgn="auto" latinLnBrk="0" hangingPunct="1">
+              <a:lnSpc>
+                <a:spcPct val="100000"/>
+              </a:lnSpc>
+              <a:spcBef>
+                <a:spcPts val="0"/>
+              </a:spcBef>
+              <a:spcAft>
+                <a:spcPts val="0"/>
+              </a:spcAft>
+              <a:buClrTx/>
+              <a:buSzTx/>
+              <a:buFontTx/>
+              <a:buNone/>
+              <a:tabLst/>
+              <a:defRPr/>
+            </a:pPr>
+            <a:r>
+              <a:rPr kumimoji="0" lang="en-US" sz="1800" b="0" i="0" u="none" strike="noStrike" kern="1200" cap="none" spc="0" normalizeH="0" baseline="0" noProof="0" dirty="0">
+                <a:ln>
+                  <a:noFill/>
+                </a:ln>
+                <a:solidFill>
+                  <a:prstClr val="white"/>
+                </a:solidFill>
+                <a:effectLst/>
+                <a:uLnTx/>
+                <a:uFillTx/>
+                <a:latin typeface="Calibri" panose="020F0502020204030204"/>
+                <a:ea typeface="+mn-ea"/>
+                <a:cs typeface="+mn-cs"/>
+              </a:rPr>
+              <a:t>Development (Local Computer)</a:t>
+            </a:r>
+          </a:p>
+        </p:txBody>
+      </p:sp>
+      <p:sp>
+        <p:nvSpPr>
+          <p:cNvPr id="10" name="TextBox 9">
+            <a:extLst>
+              <a:ext uri="{FF2B5EF4-FFF2-40B4-BE49-F238E27FC236}">
+                <a16:creationId xmlns:a16="http://schemas.microsoft.com/office/drawing/2014/main" id="{0BF12D55-9467-414D-A430-3B00DF109851}"/>
+              </a:ext>
+            </a:extLst>
+          </p:cNvPr>
+          <p:cNvSpPr txBox="1"/>
+          <p:nvPr/>
+        </p:nvSpPr>
+        <p:spPr>
+          <a:xfrm>
+            <a:off x="7314982" y="2973518"/>
+            <a:ext cx="3132917" cy="369332"/>
+          </a:xfrm>
+          <a:prstGeom prst="rect">
+            <a:avLst/>
+          </a:prstGeom>
+          <a:noFill/>
+        </p:spPr>
+        <p:txBody>
+          <a:bodyPr wrap="square" rtlCol="0">
+            <a:spAutoFit/>
+          </a:bodyPr>
+          <a:lstStyle/>
+          <a:p>
+            <a:pPr marL="0" marR="0" lvl="0" indent="0" algn="l" defTabSz="914400" rtl="0" eaLnBrk="1" fontAlgn="auto" latinLnBrk="0" hangingPunct="1">
+              <a:lnSpc>
+                <a:spcPct val="100000"/>
+              </a:lnSpc>
+              <a:spcBef>
+                <a:spcPts val="0"/>
+              </a:spcBef>
+              <a:spcAft>
+                <a:spcPts val="0"/>
+              </a:spcAft>
+              <a:buClrTx/>
+              <a:buSzTx/>
+              <a:buFontTx/>
+              <a:buNone/>
+              <a:tabLst/>
+              <a:defRPr/>
+            </a:pPr>
+            <a:r>
+              <a:rPr kumimoji="0" lang="en-US" sz="1800" b="0" i="0" u="none" strike="noStrike" kern="1200" cap="none" spc="0" normalizeH="0" baseline="0" noProof="0" dirty="0">
+                <a:ln>
+                  <a:noFill/>
+                </a:ln>
+                <a:solidFill>
+                  <a:prstClr val="white"/>
+                </a:solidFill>
+                <a:effectLst/>
+                <a:uLnTx/>
+                <a:uFillTx/>
+                <a:latin typeface="Calibri" panose="020F0502020204030204"/>
+                <a:ea typeface="+mn-ea"/>
+                <a:cs typeface="+mn-cs"/>
+              </a:rPr>
+              <a:t>Production (Azure)</a:t>
+            </a:r>
+          </a:p>
+        </p:txBody>
+      </p:sp>
+      <p:pic>
+        <p:nvPicPr>
+          <p:cNvPr id="11" name="Picture 10" descr="A screenshot of a cell phone&#10;&#10;Description generated with high confidence">
+            <a:extLst>
+              <a:ext uri="{FF2B5EF4-FFF2-40B4-BE49-F238E27FC236}">
+                <a16:creationId xmlns:a16="http://schemas.microsoft.com/office/drawing/2014/main" id="{F1CB17B7-F2A1-43DE-905D-1757307932BB}"/>
+              </a:ext>
+            </a:extLst>
+          </p:cNvPr>
+          <p:cNvPicPr>
+            <a:picLocks noChangeAspect="1"/>
+          </p:cNvPicPr>
+          <p:nvPr/>
+        </p:nvPicPr>
+        <p:blipFill rotWithShape="1">
+          <a:blip r:embed="rId2">
+            <a:extLst>
+              <a:ext uri="{28A0092B-C50C-407E-A947-70E740481C1C}">
+                <a14:useLocalDpi xmlns:a14="http://schemas.microsoft.com/office/drawing/2010/main" val="0"/>
+              </a:ext>
+            </a:extLst>
+          </a:blip>
+          <a:srcRect l="22500" t="2717" r="4846" b="1738"/>
+          <a:stretch/>
+        </p:blipFill>
+        <p:spPr>
+          <a:xfrm>
+            <a:off x="1690488" y="1800129"/>
+            <a:ext cx="4246796" cy="3141464"/>
+          </a:xfrm>
+          <a:prstGeom prst="rect">
+            <a:avLst/>
+          </a:prstGeom>
+        </p:spPr>
+      </p:pic>
+      <p:sp>
+        <p:nvSpPr>
+          <p:cNvPr id="12" name="TextBox 11">
+            <a:extLst>
+              <a:ext uri="{FF2B5EF4-FFF2-40B4-BE49-F238E27FC236}">
+                <a16:creationId xmlns:a16="http://schemas.microsoft.com/office/drawing/2014/main" id="{9F1938FD-AEC0-411F-80C9-942E5D2F739D}"/>
+              </a:ext>
+            </a:extLst>
+          </p:cNvPr>
+          <p:cNvSpPr txBox="1"/>
+          <p:nvPr/>
+        </p:nvSpPr>
+        <p:spPr>
+          <a:xfrm>
+            <a:off x="6386904" y="1796290"/>
+            <a:ext cx="3132917" cy="369332"/>
+          </a:xfrm>
+          <a:prstGeom prst="rect">
+            <a:avLst/>
+          </a:prstGeom>
+          <a:noFill/>
+        </p:spPr>
+        <p:txBody>
+          <a:bodyPr wrap="square" rtlCol="0">
+            <a:spAutoFit/>
+          </a:bodyPr>
+          <a:lstStyle/>
+          <a:p>
+            <a:pPr marL="0" marR="0" lvl="0" indent="0" algn="l" defTabSz="914400" rtl="0" eaLnBrk="1" fontAlgn="auto" latinLnBrk="0" hangingPunct="1">
+              <a:lnSpc>
+                <a:spcPct val="100000"/>
+              </a:lnSpc>
+              <a:spcBef>
+                <a:spcPts val="0"/>
+              </a:spcBef>
+              <a:spcAft>
+                <a:spcPts val="0"/>
+              </a:spcAft>
+              <a:buClrTx/>
+              <a:buSzTx/>
+              <a:buFontTx/>
+              <a:buNone/>
+              <a:tabLst/>
+              <a:defRPr/>
+            </a:pPr>
+            <a:r>
+              <a:rPr kumimoji="0" lang="en-US" sz="1800" b="0" i="1" u="none" strike="noStrike" kern="1200" cap="none" spc="0" normalizeH="0" baseline="0" noProof="0" dirty="0">
+                <a:ln>
+                  <a:noFill/>
+                </a:ln>
+                <a:solidFill>
+                  <a:prstClr val="white"/>
+                </a:solidFill>
+                <a:effectLst/>
+                <a:uLnTx/>
+                <a:uFillTx/>
+                <a:latin typeface="Calibri" panose="020F0502020204030204"/>
+                <a:ea typeface="+mn-ea"/>
+                <a:cs typeface="+mn-cs"/>
+              </a:rPr>
+              <a:t>Test (Azure)…</a:t>
+            </a:r>
+          </a:p>
+        </p:txBody>
+      </p:sp>
+      <p:pic>
+        <p:nvPicPr>
+          <p:cNvPr id="9" name="Picture 8" descr="A screenshot of a cell phone&#10;&#10;Description generated with high confidence">
+            <a:extLst>
+              <a:ext uri="{FF2B5EF4-FFF2-40B4-BE49-F238E27FC236}">
+                <a16:creationId xmlns:a16="http://schemas.microsoft.com/office/drawing/2014/main" id="{A5DD3E70-1B12-4EAD-BB31-E031833D3277}"/>
+              </a:ext>
+            </a:extLst>
+          </p:cNvPr>
+          <p:cNvPicPr>
+            <a:picLocks noChangeAspect="1"/>
+          </p:cNvPicPr>
+          <p:nvPr/>
+        </p:nvPicPr>
+        <p:blipFill rotWithShape="1">
+          <a:blip r:embed="rId2">
+            <a:extLst>
+              <a:ext uri="{28A0092B-C50C-407E-A947-70E740481C1C}">
+                <a14:useLocalDpi xmlns:a14="http://schemas.microsoft.com/office/drawing/2010/main" val="0"/>
+              </a:ext>
+            </a:extLst>
+          </a:blip>
+          <a:srcRect l="22500" t="2717" r="4846" b="1738"/>
+          <a:stretch/>
+        </p:blipFill>
+        <p:spPr>
+          <a:xfrm>
+            <a:off x="2834298" y="3046589"/>
+            <a:ext cx="4246796" cy="3141464"/>
+          </a:xfrm>
+          <a:prstGeom prst="rect">
+            <a:avLst/>
+          </a:prstGeom>
+        </p:spPr>
+      </p:pic>
+    </p:spTree>
+    <p:extLst>
+      <p:ext uri="{BB962C8B-B14F-4D97-AF65-F5344CB8AC3E}">
+        <p14:creationId xmlns:p14="http://schemas.microsoft.com/office/powerpoint/2010/main" val="1839082074"/>
+      </p:ext>
+    </p:extLst>
+  </p:cSld>
+  <p:clrMapOvr>
+    <a:masterClrMapping/>
+  </p:clrMapOvr>
+  <p:timing>
+    <p:tnLst>
+      <p:par>
+        <p:cTn id="1" dur="indefinite" restart="never" nodeType="tmRoot">
+          <p:childTnLst>
+            <p:seq concurrent="1" nextAc="seek">
+              <p:cTn id="2" dur="indefinite" nodeType="mainSeq">
+                <p:childTnLst>
+                  <p:par>
+                    <p:cTn id="3" fill="hold">
+                      <p:stCondLst>
+                        <p:cond delay="indefinite"/>
+                      </p:stCondLst>
+                      <p:childTnLst>
+                        <p:par>
+                          <p:cTn id="4" fill="hold">
+                            <p:stCondLst>
+                              <p:cond delay="0"/>
+                            </p:stCondLst>
+                            <p:childTnLst>
+                              <p:par>
+                                <p:cTn id="5" presetID="10" presetClass="entr" presetSubtype="0" fill="hold" nodeType="clickEffect">
+                                  <p:stCondLst>
+                                    <p:cond delay="0"/>
+                                  </p:stCondLst>
+                                  <p:childTnLst>
+                                    <p:set>
+                                      <p:cBhvr>
+                                        <p:cTn id="6" dur="1" fill="hold">
+                                          <p:stCondLst>
+                                            <p:cond delay="0"/>
+                                          </p:stCondLst>
+                                        </p:cTn>
+                                        <p:tgtEl>
+                                          <p:spTgt spid="9"/>
+                                        </p:tgtEl>
+                                        <p:attrNameLst>
+                                          <p:attrName>style.visibility</p:attrName>
+                                        </p:attrNameLst>
+                                      </p:cBhvr>
+                                      <p:to>
+                                        <p:strVal val="visible"/>
+                                      </p:to>
+                                    </p:set>
+                                    <p:animEffect transition="in" filter="fade">
+                                      <p:cBhvr>
+                                        <p:cTn id="7" dur="500"/>
+                                        <p:tgtEl>
+                                          <p:spTgt spid="9"/>
+                                        </p:tgtEl>
+                                      </p:cBhvr>
+                                    </p:animEffect>
+                                  </p:childTnLst>
+                                </p:cTn>
+                              </p:par>
+                              <p:par>
+                                <p:cTn id="8" presetID="10" presetClass="entr" presetSubtype="0" fill="hold" grpId="0" nodeType="withEffect">
+                                  <p:stCondLst>
+                                    <p:cond delay="0"/>
+                                  </p:stCondLst>
+                                  <p:childTnLst>
+                                    <p:set>
+                                      <p:cBhvr>
+                                        <p:cTn id="9" dur="1" fill="hold">
+                                          <p:stCondLst>
+                                            <p:cond delay="0"/>
+                                          </p:stCondLst>
+                                        </p:cTn>
+                                        <p:tgtEl>
+                                          <p:spTgt spid="10"/>
+                                        </p:tgtEl>
+                                        <p:attrNameLst>
+                                          <p:attrName>style.visibility</p:attrName>
+                                        </p:attrNameLst>
+                                      </p:cBhvr>
+                                      <p:to>
+                                        <p:strVal val="visible"/>
+                                      </p:to>
+                                    </p:set>
+                                    <p:animEffect transition="in" filter="fade">
+                                      <p:cBhvr>
+                                        <p:cTn id="10" dur="500"/>
+                                        <p:tgtEl>
+                                          <p:spTgt spid="10"/>
+                                        </p:tgtEl>
+                                      </p:cBhvr>
+                                    </p:animEffect>
+                                  </p:childTnLst>
+                                </p:cTn>
+                              </p:par>
+                            </p:childTnLst>
+                          </p:cTn>
+                        </p:par>
+                      </p:childTnLst>
+                    </p:cTn>
+                  </p:par>
+                  <p:par>
+                    <p:cTn id="11" fill="hold">
+                      <p:stCondLst>
+                        <p:cond delay="indefinite"/>
+                      </p:stCondLst>
+                      <p:childTnLst>
+                        <p:par>
+                          <p:cTn id="12" fill="hold">
+                            <p:stCondLst>
+                              <p:cond delay="0"/>
+                            </p:stCondLst>
+                            <p:childTnLst>
+                              <p:par>
+                                <p:cTn id="13" presetID="10" presetClass="entr" presetSubtype="0" fill="hold" nodeType="clickEffect">
+                                  <p:stCondLst>
+                                    <p:cond delay="0"/>
+                                  </p:stCondLst>
+                                  <p:childTnLst>
+                                    <p:set>
+                                      <p:cBhvr>
+                                        <p:cTn id="14" dur="1" fill="hold">
+                                          <p:stCondLst>
+                                            <p:cond delay="0"/>
+                                          </p:stCondLst>
+                                        </p:cTn>
+                                        <p:tgtEl>
+                                          <p:spTgt spid="11"/>
+                                        </p:tgtEl>
+                                        <p:attrNameLst>
+                                          <p:attrName>style.visibility</p:attrName>
+                                        </p:attrNameLst>
+                                      </p:cBhvr>
+                                      <p:to>
+                                        <p:strVal val="visible"/>
+                                      </p:to>
+                                    </p:set>
+                                    <p:animEffect transition="in" filter="fade">
+                                      <p:cBhvr>
+                                        <p:cTn id="15" dur="500"/>
+                                        <p:tgtEl>
+                                          <p:spTgt spid="11"/>
+                                        </p:tgtEl>
+                                      </p:cBhvr>
+                                    </p:animEffect>
+                                  </p:childTnLst>
+                                </p:cTn>
+                              </p:par>
+                              <p:par>
+                                <p:cTn id="16" presetID="10" presetClass="entr" presetSubtype="0" fill="hold" grpId="0" nodeType="withEffect">
+                                  <p:stCondLst>
+                                    <p:cond delay="0"/>
+                                  </p:stCondLst>
+                                  <p:childTnLst>
+                                    <p:set>
+                                      <p:cBhvr>
+                                        <p:cTn id="17" dur="1" fill="hold">
+                                          <p:stCondLst>
+                                            <p:cond delay="0"/>
+                                          </p:stCondLst>
+                                        </p:cTn>
+                                        <p:tgtEl>
+                                          <p:spTgt spid="12"/>
+                                        </p:tgtEl>
+                                        <p:attrNameLst>
+                                          <p:attrName>style.visibility</p:attrName>
+                                        </p:attrNameLst>
+                                      </p:cBhvr>
+                                      <p:to>
+                                        <p:strVal val="visible"/>
+                                      </p:to>
+                                    </p:set>
+                                    <p:animEffect transition="in" filter="fade">
+                                      <p:cBhvr>
+                                        <p:cTn id="18" dur="500"/>
+                                        <p:tgtEl>
+                                          <p:spTgt spid="12"/>
+                                        </p:tgtEl>
+                                      </p:cBhvr>
+                                    </p:animEffect>
+                                  </p:childTnLst>
+                                </p:cTn>
+                              </p:par>
+                            </p:childTnLst>
+                          </p:cTn>
+                        </p:par>
+                      </p:childTnLst>
+                    </p:cTn>
+                  </p:par>
+                </p:childTnLst>
+              </p:cTn>
+              <p:prevCondLst>
+                <p:cond evt="onPrev" delay="0">
+                  <p:tgtEl>
+                    <p:sldTgt/>
+                  </p:tgtEl>
+                </p:cond>
+              </p:prevCondLst>
+              <p:nextCondLst>
+                <p:cond evt="onNext" delay="0">
+                  <p:tgtEl>
+                    <p:sldTgt/>
+                  </p:tgtEl>
+                </p:cond>
+              </p:nextCondLst>
+            </p:seq>
+          </p:childTnLst>
+        </p:cTn>
+      </p:par>
+    </p:tnLst>
+    <p:bldLst>
+      <p:bldP spid="10" grpId="0"/>
+      <p:bldP spid="12" grpId="0"/>
+    </p:bldLst>
+  </p:timing>
+</p:sld>
+</file>
+
+<file path=ppt/slides/slide8.xml><?xml version="1.0" encoding="utf-8"?>
+<p:sld xmlns:a="http://schemas.openxmlformats.org/drawingml/2006/main" xmlns:r="http://schemas.openxmlformats.org/officeDocument/2006/relationships" xmlns:p="http://schemas.openxmlformats.org/presentationml/2006/main">
+  <p:cSld>
+    <p:spTree>
+      <p:nvGrpSpPr>
+        <p:cNvPr id="1" name=""/>
+        <p:cNvGrpSpPr/>
+        <p:nvPr/>
+      </p:nvGrpSpPr>
+      <p:grpSpPr>
+        <a:xfrm>
+          <a:off x="0" y="0"/>
+          <a:ext cx="0" cy="0"/>
+          <a:chOff x="0" y="0"/>
+          <a:chExt cx="0" cy="0"/>
+        </a:xfrm>
+      </p:grpSpPr>
+      <p:sp>
+        <p:nvSpPr>
           <p:cNvPr id="4" name="Title 1">
             <a:extLst>
               <a:ext uri="{FF2B5EF4-FFF2-40B4-BE49-F238E27FC236}">
@@ -5082,7 +6951,7 @@
 </p:sld>
 </file>
 
-<file path=ppt/slides/slide6.xml><?xml version="1.0" encoding="utf-8"?>
+<file path=ppt/slides/slide9.xml><?xml version="1.0" encoding="utf-8"?>
 <p:sld xmlns:a="http://schemas.openxmlformats.org/drawingml/2006/main" xmlns:r="http://schemas.openxmlformats.org/officeDocument/2006/relationships" xmlns:p="http://schemas.openxmlformats.org/presentationml/2006/main">
   <p:cSld>
     <p:spTree>
@@ -5657,174 +7526,6 @@
       <p:bldP spid="11" grpId="0" animBg="1"/>
     </p:bldLst>
   </p:timing>
-</p:sld>
-</file>
-
-<file path=ppt/slides/slide7.xml><?xml version="1.0" encoding="utf-8"?>
-<p:sld xmlns:a="http://schemas.openxmlformats.org/drawingml/2006/main" xmlns:r="http://schemas.openxmlformats.org/officeDocument/2006/relationships" xmlns:p="http://schemas.openxmlformats.org/presentationml/2006/main">
-  <p:cSld>
-    <p:spTree>
-      <p:nvGrpSpPr>
-        <p:cNvPr id="1" name=""/>
-        <p:cNvGrpSpPr/>
-        <p:nvPr/>
-      </p:nvGrpSpPr>
-      <p:grpSpPr>
-        <a:xfrm>
-          <a:off x="0" y="0"/>
-          <a:ext cx="0" cy="0"/>
-          <a:chOff x="0" y="0"/>
-          <a:chExt cx="0" cy="0"/>
-        </a:xfrm>
-      </p:grpSpPr>
-      <p:sp>
-        <p:nvSpPr>
-          <p:cNvPr id="2" name="Title 1"/>
-          <p:cNvSpPr>
-            <a:spLocks noGrp="1"/>
-          </p:cNvSpPr>
-          <p:nvPr>
-            <p:ph type="ctrTitle"/>
-          </p:nvPr>
-        </p:nvSpPr>
-        <p:spPr>
-          <a:xfrm>
-            <a:off x="1524000" y="1122362"/>
-            <a:ext cx="9144000" cy="2807612"/>
-          </a:xfrm>
-        </p:spPr>
-        <p:txBody>
-          <a:bodyPr>
-            <a:noAutofit/>
-          </a:bodyPr>
-          <a:lstStyle/>
-          <a:p>
-            <a:br>
-              <a:rPr lang="en-US" sz="4000" dirty="0"/>
-            </a:br>
-            <a:r>
-              <a:rPr lang="en-US" sz="4000" dirty="0"/>
-              <a:t>Project 5 Lab</a:t>
-            </a:r>
-          </a:p>
-        </p:txBody>
-      </p:sp>
-    </p:spTree>
-    <p:extLst>
-      <p:ext uri="{BB962C8B-B14F-4D97-AF65-F5344CB8AC3E}">
-        <p14:creationId xmlns:p14="http://schemas.microsoft.com/office/powerpoint/2010/main" val="3700591436"/>
-      </p:ext>
-    </p:extLst>
-  </p:cSld>
-  <p:clrMapOvr>
-    <a:masterClrMapping/>
-  </p:clrMapOvr>
-</p:sld>
-</file>
-
-<file path=ppt/slides/slide8.xml><?xml version="1.0" encoding="utf-8"?>
-<p:sld xmlns:a="http://schemas.openxmlformats.org/drawingml/2006/main" xmlns:r="http://schemas.openxmlformats.org/officeDocument/2006/relationships" xmlns:p="http://schemas.openxmlformats.org/presentationml/2006/main">
-  <p:cSld>
-    <p:bg>
-      <p:bgPr>
-        <a:solidFill>
-          <a:schemeClr val="bg1">
-            <a:lumMod val="75000"/>
-          </a:schemeClr>
-        </a:solidFill>
-        <a:effectLst/>
-      </p:bgPr>
-    </p:bg>
-    <p:spTree>
-      <p:nvGrpSpPr>
-        <p:cNvPr id="1" name=""/>
-        <p:cNvGrpSpPr/>
-        <p:nvPr/>
-      </p:nvGrpSpPr>
-      <p:grpSpPr>
-        <a:xfrm>
-          <a:off x="0" y="0"/>
-          <a:ext cx="0" cy="0"/>
-          <a:chOff x="0" y="0"/>
-          <a:chExt cx="0" cy="0"/>
-        </a:xfrm>
-      </p:grpSpPr>
-      <p:sp>
-        <p:nvSpPr>
-          <p:cNvPr id="2" name="Title 1"/>
-          <p:cNvSpPr>
-            <a:spLocks noGrp="1"/>
-          </p:cNvSpPr>
-          <p:nvPr>
-            <p:ph type="ctrTitle"/>
-          </p:nvPr>
-        </p:nvSpPr>
-        <p:spPr>
-          <a:xfrm>
-            <a:off x="1524000" y="1122363"/>
-            <a:ext cx="9144000" cy="2387600"/>
-          </a:xfrm>
-        </p:spPr>
-        <p:txBody>
-          <a:bodyPr>
-            <a:normAutofit/>
-          </a:bodyPr>
-          <a:lstStyle/>
-          <a:p>
-            <a:r>
-              <a:rPr lang="en-US" sz="4800" dirty="0"/>
-              <a:t>End of Session</a:t>
-            </a:r>
-          </a:p>
-        </p:txBody>
-      </p:sp>
-      <p:sp>
-        <p:nvSpPr>
-          <p:cNvPr id="3" name="Subtitle 2"/>
-          <p:cNvSpPr>
-            <a:spLocks noGrp="1"/>
-          </p:cNvSpPr>
-          <p:nvPr>
-            <p:ph type="subTitle" idx="1"/>
-          </p:nvPr>
-        </p:nvSpPr>
-        <p:spPr>
-          <a:xfrm>
-            <a:off x="1524000" y="3602038"/>
-            <a:ext cx="9144000" cy="2198022"/>
-          </a:xfrm>
-        </p:spPr>
-        <p:txBody>
-          <a:bodyPr>
-            <a:normAutofit/>
-          </a:bodyPr>
-          <a:lstStyle/>
-          <a:p>
-            <a:pPr algn="l"/>
-            <a:r>
-              <a:rPr lang="en-US" dirty="0"/>
-              <a:t>Course Number: CPSC-24700</a:t>
-            </a:r>
-          </a:p>
-          <a:p>
-            <a:pPr algn="l"/>
-            <a:r>
-              <a:rPr lang="en-US" dirty="0"/>
-              <a:t>Instructor: Eric Pogue</a:t>
-            </a:r>
-          </a:p>
-        </p:txBody>
-      </p:sp>
-    </p:spTree>
-    <p:extLst>
-      <p:ext uri="{BB962C8B-B14F-4D97-AF65-F5344CB8AC3E}">
-        <p14:creationId xmlns:p14="http://schemas.microsoft.com/office/powerpoint/2010/main" val="1130818612"/>
-      </p:ext>
-    </p:extLst>
-  </p:cSld>
-  <p:clrMapOvr>
-    <a:masterClrMapping/>
-  </p:clrMapOvr>
 </p:sld>
 </file>
 
